--- a/최종발표/최종발표 PPT_백엔드.pptx
+++ b/최종발표/최종발표 PPT_백엔드.pptx
@@ -203,7 +203,7 @@
           <a:p>
             <a:fld id="{D8C6FF69-C464-4C4B-86B4-13E8416C2B2A}" type="datetimeFigureOut">
               <a:rPr lang="ko-KR" altLang="en-US" smtClean="0"/>
-              <a:t>2021-11-02</a:t>
+              <a:t>2021-11-14</a:t>
             </a:fld>
             <a:endParaRPr lang="ko-KR" altLang="en-US"/>
           </a:p>
@@ -1816,7 +1816,7 @@
           <a:p>
             <a:fld id="{6FFC9F1F-6A18-48E1-AB20-87F6721E4D74}" type="datetimeFigureOut">
               <a:rPr lang="ko-KR" altLang="en-US" smtClean="0"/>
-              <a:t>2021-11-02</a:t>
+              <a:t>2021-11-14</a:t>
             </a:fld>
             <a:endParaRPr lang="ko-KR" altLang="en-US"/>
           </a:p>
@@ -2014,7 +2014,7 @@
           <a:p>
             <a:fld id="{6FFC9F1F-6A18-48E1-AB20-87F6721E4D74}" type="datetimeFigureOut">
               <a:rPr lang="ko-KR" altLang="en-US" smtClean="0"/>
-              <a:t>2021-11-02</a:t>
+              <a:t>2021-11-14</a:t>
             </a:fld>
             <a:endParaRPr lang="ko-KR" altLang="en-US"/>
           </a:p>
@@ -2222,7 +2222,7 @@
           <a:p>
             <a:fld id="{6FFC9F1F-6A18-48E1-AB20-87F6721E4D74}" type="datetimeFigureOut">
               <a:rPr lang="ko-KR" altLang="en-US" smtClean="0"/>
-              <a:t>2021-11-02</a:t>
+              <a:t>2021-11-14</a:t>
             </a:fld>
             <a:endParaRPr lang="ko-KR" altLang="en-US"/>
           </a:p>
@@ -2420,7 +2420,7 @@
           <a:p>
             <a:fld id="{6FFC9F1F-6A18-48E1-AB20-87F6721E4D74}" type="datetimeFigureOut">
               <a:rPr lang="ko-KR" altLang="en-US" smtClean="0"/>
-              <a:t>2021-11-02</a:t>
+              <a:t>2021-11-14</a:t>
             </a:fld>
             <a:endParaRPr lang="ko-KR" altLang="en-US"/>
           </a:p>
@@ -2695,7 +2695,7 @@
           <a:p>
             <a:fld id="{6FFC9F1F-6A18-48E1-AB20-87F6721E4D74}" type="datetimeFigureOut">
               <a:rPr lang="ko-KR" altLang="en-US" smtClean="0"/>
-              <a:t>2021-11-02</a:t>
+              <a:t>2021-11-14</a:t>
             </a:fld>
             <a:endParaRPr lang="ko-KR" altLang="en-US"/>
           </a:p>
@@ -2960,7 +2960,7 @@
           <a:p>
             <a:fld id="{6FFC9F1F-6A18-48E1-AB20-87F6721E4D74}" type="datetimeFigureOut">
               <a:rPr lang="ko-KR" altLang="en-US" smtClean="0"/>
-              <a:t>2021-11-02</a:t>
+              <a:t>2021-11-14</a:t>
             </a:fld>
             <a:endParaRPr lang="ko-KR" altLang="en-US"/>
           </a:p>
@@ -3372,7 +3372,7 @@
           <a:p>
             <a:fld id="{6FFC9F1F-6A18-48E1-AB20-87F6721E4D74}" type="datetimeFigureOut">
               <a:rPr lang="ko-KR" altLang="en-US" smtClean="0"/>
-              <a:t>2021-11-02</a:t>
+              <a:t>2021-11-14</a:t>
             </a:fld>
             <a:endParaRPr lang="ko-KR" altLang="en-US"/>
           </a:p>
@@ -3513,7 +3513,7 @@
           <a:p>
             <a:fld id="{6FFC9F1F-6A18-48E1-AB20-87F6721E4D74}" type="datetimeFigureOut">
               <a:rPr lang="ko-KR" altLang="en-US" smtClean="0"/>
-              <a:t>2021-11-02</a:t>
+              <a:t>2021-11-14</a:t>
             </a:fld>
             <a:endParaRPr lang="ko-KR" altLang="en-US"/>
           </a:p>
@@ -3626,7 +3626,7 @@
           <a:p>
             <a:fld id="{6FFC9F1F-6A18-48E1-AB20-87F6721E4D74}" type="datetimeFigureOut">
               <a:rPr lang="ko-KR" altLang="en-US" smtClean="0"/>
-              <a:t>2021-11-02</a:t>
+              <a:t>2021-11-14</a:t>
             </a:fld>
             <a:endParaRPr lang="ko-KR" altLang="en-US"/>
           </a:p>
@@ -3937,7 +3937,7 @@
           <a:p>
             <a:fld id="{6FFC9F1F-6A18-48E1-AB20-87F6721E4D74}" type="datetimeFigureOut">
               <a:rPr lang="ko-KR" altLang="en-US" smtClean="0"/>
-              <a:t>2021-11-02</a:t>
+              <a:t>2021-11-14</a:t>
             </a:fld>
             <a:endParaRPr lang="ko-KR" altLang="en-US"/>
           </a:p>
@@ -4225,7 +4225,7 @@
           <a:p>
             <a:fld id="{6FFC9F1F-6A18-48E1-AB20-87F6721E4D74}" type="datetimeFigureOut">
               <a:rPr lang="ko-KR" altLang="en-US" smtClean="0"/>
-              <a:t>2021-11-02</a:t>
+              <a:t>2021-11-14</a:t>
             </a:fld>
             <a:endParaRPr lang="ko-KR" altLang="en-US"/>
           </a:p>
@@ -4466,7 +4466,7 @@
           <a:p>
             <a:fld id="{6FFC9F1F-6A18-48E1-AB20-87F6721E4D74}" type="datetimeFigureOut">
               <a:rPr lang="ko-KR" altLang="en-US" smtClean="0"/>
-              <a:t>2021-11-02</a:t>
+              <a:t>2021-11-14</a:t>
             </a:fld>
             <a:endParaRPr lang="ko-KR" altLang="en-US"/>
           </a:p>
@@ -5533,7 +5533,12 @@
             <p:ph type="title"/>
           </p:nvPr>
         </p:nvSpPr>
-        <p:spPr/>
+        <p:spPr>
+          <a:xfrm>
+            <a:off x="449580" y="0"/>
+            <a:ext cx="10515600" cy="1325563"/>
+          </a:xfrm>
+        </p:spPr>
         <p:txBody>
           <a:bodyPr/>
           <a:lstStyle/>
@@ -5547,10 +5552,10 @@
       </p:sp>
       <p:pic>
         <p:nvPicPr>
-          <p:cNvPr id="13" name="내용 개체 틀 12">
-            <a:extLst>
-              <a:ext uri="{FF2B5EF4-FFF2-40B4-BE49-F238E27FC236}">
-                <a16:creationId xmlns:a16="http://schemas.microsoft.com/office/drawing/2014/main" id="{73A3A9D9-B08A-41EF-8874-A146B51E2E92}"/>
+          <p:cNvPr id="6" name="내용 개체 틀 5">
+            <a:extLst>
+              <a:ext uri="{FF2B5EF4-FFF2-40B4-BE49-F238E27FC236}">
+                <a16:creationId xmlns:a16="http://schemas.microsoft.com/office/drawing/2014/main" id="{76CE9AD6-35DE-4EEE-A944-6BD8A0C27561}"/>
               </a:ext>
             </a:extLst>
           </p:cNvPr>
@@ -5575,8 +5580,8 @@
         </p:blipFill>
         <p:spPr>
           <a:xfrm>
-            <a:off x="2315674" y="1414144"/>
-            <a:ext cx="7371182" cy="5443856"/>
+            <a:off x="2050491" y="971550"/>
+            <a:ext cx="8091018" cy="5975478"/>
           </a:xfrm>
         </p:spPr>
       </p:pic>

--- a/최종발표/최종발표 PPT_백엔드.pptx
+++ b/최종발표/최종발표 PPT_백엔드.pptx
@@ -5,16 +5,17 @@
     <p:sldMasterId id="2147483648" r:id="rId1"/>
   </p:sldMasterIdLst>
   <p:notesMasterIdLst>
-    <p:notesMasterId r:id="rId9"/>
+    <p:notesMasterId r:id="rId10"/>
   </p:notesMasterIdLst>
   <p:sldIdLst>
     <p:sldId id="257" r:id="rId2"/>
     <p:sldId id="258" r:id="rId3"/>
     <p:sldId id="259" r:id="rId4"/>
-    <p:sldId id="260" r:id="rId5"/>
-    <p:sldId id="261" r:id="rId6"/>
-    <p:sldId id="262" r:id="rId7"/>
-    <p:sldId id="263" r:id="rId8"/>
+    <p:sldId id="264" r:id="rId5"/>
+    <p:sldId id="260" r:id="rId6"/>
+    <p:sldId id="261" r:id="rId7"/>
+    <p:sldId id="262" r:id="rId8"/>
+    <p:sldId id="263" r:id="rId9"/>
   </p:sldIdLst>
   <p:sldSz cx="12192000" cy="6858000"/>
   <p:notesSz cx="6858000" cy="9144000"/>
@@ -203,7 +204,7 @@
           <a:p>
             <a:fld id="{D8C6FF69-C464-4C4B-86B4-13E8416C2B2A}" type="datetimeFigureOut">
               <a:rPr lang="ko-KR" altLang="en-US" smtClean="0"/>
-              <a:t>2021-11-14</a:t>
+              <a:t>2021-11-24</a:t>
             </a:fld>
             <a:endParaRPr lang="ko-KR" altLang="en-US"/>
           </a:p>
@@ -1160,7 +1161,7 @@
           <a:p>
             <a:fld id="{765F3F73-CD03-464C-BBFD-E8A0539B772C}" type="slidenum">
               <a:rPr lang="ko-KR" altLang="en-US" smtClean="0"/>
-              <a:t>4</a:t>
+              <a:t>5</a:t>
             </a:fld>
             <a:endParaRPr lang="ko-KR" altLang="en-US"/>
           </a:p>
@@ -1372,7 +1373,7 @@
           <a:p>
             <a:fld id="{765F3F73-CD03-464C-BBFD-E8A0539B772C}" type="slidenum">
               <a:rPr lang="ko-KR" altLang="en-US" smtClean="0"/>
-              <a:t>5</a:t>
+              <a:t>6</a:t>
             </a:fld>
             <a:endParaRPr lang="ko-KR" altLang="en-US"/>
           </a:p>
@@ -1459,7 +1460,7 @@
           <a:p>
             <a:fld id="{765F3F73-CD03-464C-BBFD-E8A0539B772C}" type="slidenum">
               <a:rPr lang="ko-KR" altLang="en-US" smtClean="0"/>
-              <a:t>6</a:t>
+              <a:t>7</a:t>
             </a:fld>
             <a:endParaRPr lang="ko-KR" altLang="en-US"/>
           </a:p>
@@ -1650,7 +1651,7 @@
           <a:p>
             <a:fld id="{765F3F73-CD03-464C-BBFD-E8A0539B772C}" type="slidenum">
               <a:rPr lang="ko-KR" altLang="en-US" smtClean="0"/>
-              <a:t>7</a:t>
+              <a:t>8</a:t>
             </a:fld>
             <a:endParaRPr lang="ko-KR" altLang="en-US"/>
           </a:p>
@@ -1816,7 +1817,7 @@
           <a:p>
             <a:fld id="{6FFC9F1F-6A18-48E1-AB20-87F6721E4D74}" type="datetimeFigureOut">
               <a:rPr lang="ko-KR" altLang="en-US" smtClean="0"/>
-              <a:t>2021-11-14</a:t>
+              <a:t>2021-11-24</a:t>
             </a:fld>
             <a:endParaRPr lang="ko-KR" altLang="en-US"/>
           </a:p>
@@ -2014,7 +2015,7 @@
           <a:p>
             <a:fld id="{6FFC9F1F-6A18-48E1-AB20-87F6721E4D74}" type="datetimeFigureOut">
               <a:rPr lang="ko-KR" altLang="en-US" smtClean="0"/>
-              <a:t>2021-11-14</a:t>
+              <a:t>2021-11-24</a:t>
             </a:fld>
             <a:endParaRPr lang="ko-KR" altLang="en-US"/>
           </a:p>
@@ -2222,7 +2223,7 @@
           <a:p>
             <a:fld id="{6FFC9F1F-6A18-48E1-AB20-87F6721E4D74}" type="datetimeFigureOut">
               <a:rPr lang="ko-KR" altLang="en-US" smtClean="0"/>
-              <a:t>2021-11-14</a:t>
+              <a:t>2021-11-24</a:t>
             </a:fld>
             <a:endParaRPr lang="ko-KR" altLang="en-US"/>
           </a:p>
@@ -2420,7 +2421,7 @@
           <a:p>
             <a:fld id="{6FFC9F1F-6A18-48E1-AB20-87F6721E4D74}" type="datetimeFigureOut">
               <a:rPr lang="ko-KR" altLang="en-US" smtClean="0"/>
-              <a:t>2021-11-14</a:t>
+              <a:t>2021-11-24</a:t>
             </a:fld>
             <a:endParaRPr lang="ko-KR" altLang="en-US"/>
           </a:p>
@@ -2695,7 +2696,7 @@
           <a:p>
             <a:fld id="{6FFC9F1F-6A18-48E1-AB20-87F6721E4D74}" type="datetimeFigureOut">
               <a:rPr lang="ko-KR" altLang="en-US" smtClean="0"/>
-              <a:t>2021-11-14</a:t>
+              <a:t>2021-11-24</a:t>
             </a:fld>
             <a:endParaRPr lang="ko-KR" altLang="en-US"/>
           </a:p>
@@ -2960,7 +2961,7 @@
           <a:p>
             <a:fld id="{6FFC9F1F-6A18-48E1-AB20-87F6721E4D74}" type="datetimeFigureOut">
               <a:rPr lang="ko-KR" altLang="en-US" smtClean="0"/>
-              <a:t>2021-11-14</a:t>
+              <a:t>2021-11-24</a:t>
             </a:fld>
             <a:endParaRPr lang="ko-KR" altLang="en-US"/>
           </a:p>
@@ -3372,7 +3373,7 @@
           <a:p>
             <a:fld id="{6FFC9F1F-6A18-48E1-AB20-87F6721E4D74}" type="datetimeFigureOut">
               <a:rPr lang="ko-KR" altLang="en-US" smtClean="0"/>
-              <a:t>2021-11-14</a:t>
+              <a:t>2021-11-24</a:t>
             </a:fld>
             <a:endParaRPr lang="ko-KR" altLang="en-US"/>
           </a:p>
@@ -3513,7 +3514,7 @@
           <a:p>
             <a:fld id="{6FFC9F1F-6A18-48E1-AB20-87F6721E4D74}" type="datetimeFigureOut">
               <a:rPr lang="ko-KR" altLang="en-US" smtClean="0"/>
-              <a:t>2021-11-14</a:t>
+              <a:t>2021-11-24</a:t>
             </a:fld>
             <a:endParaRPr lang="ko-KR" altLang="en-US"/>
           </a:p>
@@ -3626,7 +3627,7 @@
           <a:p>
             <a:fld id="{6FFC9F1F-6A18-48E1-AB20-87F6721E4D74}" type="datetimeFigureOut">
               <a:rPr lang="ko-KR" altLang="en-US" smtClean="0"/>
-              <a:t>2021-11-14</a:t>
+              <a:t>2021-11-24</a:t>
             </a:fld>
             <a:endParaRPr lang="ko-KR" altLang="en-US"/>
           </a:p>
@@ -3937,7 +3938,7 @@
           <a:p>
             <a:fld id="{6FFC9F1F-6A18-48E1-AB20-87F6721E4D74}" type="datetimeFigureOut">
               <a:rPr lang="ko-KR" altLang="en-US" smtClean="0"/>
-              <a:t>2021-11-14</a:t>
+              <a:t>2021-11-24</a:t>
             </a:fld>
             <a:endParaRPr lang="ko-KR" altLang="en-US"/>
           </a:p>
@@ -4225,7 +4226,7 @@
           <a:p>
             <a:fld id="{6FFC9F1F-6A18-48E1-AB20-87F6721E4D74}" type="datetimeFigureOut">
               <a:rPr lang="ko-KR" altLang="en-US" smtClean="0"/>
-              <a:t>2021-11-14</a:t>
+              <a:t>2021-11-24</a:t>
             </a:fld>
             <a:endParaRPr lang="ko-KR" altLang="en-US"/>
           </a:p>
@@ -4466,7 +4467,7 @@
           <a:p>
             <a:fld id="{6FFC9F1F-6A18-48E1-AB20-87F6721E4D74}" type="datetimeFigureOut">
               <a:rPr lang="ko-KR" altLang="en-US" smtClean="0"/>
-              <a:t>2021-11-14</a:t>
+              <a:t>2021-11-24</a:t>
             </a:fld>
             <a:endParaRPr lang="ko-KR" altLang="en-US"/>
           </a:p>
@@ -5239,7 +5240,7 @@
           <p:cNvPr id="2" name="제목 1">
             <a:extLst>
               <a:ext uri="{FF2B5EF4-FFF2-40B4-BE49-F238E27FC236}">
-                <a16:creationId xmlns:a16="http://schemas.microsoft.com/office/drawing/2014/main" id="{9B9F12D8-04A1-4BD4-92DC-518860D816D1}"/>
+                <a16:creationId xmlns:a16="http://schemas.microsoft.com/office/drawing/2014/main" id="{755336C9-F12E-4978-8B64-E0B3942E42E8}"/>
               </a:ext>
             </a:extLst>
           </p:cNvPr>
@@ -5257,17 +5258,17 @@
           <a:p>
             <a:r>
               <a:rPr lang="ko-KR" altLang="en-US" dirty="0"/>
-              <a:t>기업 찾기 클래스 다이어그램</a:t>
+              <a:t>이메일 인증 클래스 다이어그램</a:t>
             </a:r>
           </a:p>
         </p:txBody>
       </p:sp>
       <p:pic>
         <p:nvPicPr>
-          <p:cNvPr id="21" name="내용 개체 틀 20">
-            <a:extLst>
-              <a:ext uri="{FF2B5EF4-FFF2-40B4-BE49-F238E27FC236}">
-                <a16:creationId xmlns:a16="http://schemas.microsoft.com/office/drawing/2014/main" id="{C221814D-C31E-4870-A464-69140D83C8A5}"/>
+          <p:cNvPr id="5" name="내용 개체 틀 4" descr="텍스트, 지도, 영수증, 스크린샷이(가) 표시된 사진&#10;&#10;자동 생성된 설명">
+            <a:extLst>
+              <a:ext uri="{FF2B5EF4-FFF2-40B4-BE49-F238E27FC236}">
+                <a16:creationId xmlns:a16="http://schemas.microsoft.com/office/drawing/2014/main" id="{99D1BA62-5B9A-4061-9133-EB77DF9534F8}"/>
               </a:ext>
             </a:extLst>
           </p:cNvPr>
@@ -5279,7 +5280,7 @@
           </p:nvPr>
         </p:nvPicPr>
         <p:blipFill>
-          <a:blip r:embed="rId3">
+          <a:blip r:embed="rId2">
             <a:extLst>
               <a:ext uri="{28A0092B-C50C-407E-A947-70E740481C1C}">
                 <a14:useLocalDpi xmlns:a14="http://schemas.microsoft.com/office/drawing/2010/main" val="0"/>
@@ -5292,15 +5293,15 @@
         </p:blipFill>
         <p:spPr>
           <a:xfrm>
-            <a:off x="583500" y="1769427"/>
-            <a:ext cx="11025000" cy="4667250"/>
+            <a:off x="1217227" y="1825625"/>
+            <a:ext cx="9757545" cy="4351338"/>
           </a:xfrm>
         </p:spPr>
       </p:pic>
     </p:spTree>
     <p:extLst>
       <p:ext uri="{BB962C8B-B14F-4D97-AF65-F5344CB8AC3E}">
-        <p14:creationId xmlns:p14="http://schemas.microsoft.com/office/powerpoint/2010/main" val="985437520"/>
+        <p14:creationId xmlns:p14="http://schemas.microsoft.com/office/powerpoint/2010/main" val="1182710050"/>
       </p:ext>
     </p:extLst>
   </p:cSld>
@@ -5332,7 +5333,7 @@
           <p:cNvPr id="2" name="제목 1">
             <a:extLst>
               <a:ext uri="{FF2B5EF4-FFF2-40B4-BE49-F238E27FC236}">
-                <a16:creationId xmlns:a16="http://schemas.microsoft.com/office/drawing/2014/main" id="{3EB79133-5325-4E36-8C36-D9348A87F943}"/>
+                <a16:creationId xmlns:a16="http://schemas.microsoft.com/office/drawing/2014/main" id="{9B9F12D8-04A1-4BD4-92DC-518860D816D1}"/>
               </a:ext>
             </a:extLst>
           </p:cNvPr>
@@ -5350,17 +5351,17 @@
           <a:p>
             <a:r>
               <a:rPr lang="ko-KR" altLang="en-US" dirty="0"/>
-              <a:t>커뮤니티 클래스 다이어그램</a:t>
+              <a:t>기업 찾기 클래스 다이어그램</a:t>
             </a:r>
           </a:p>
         </p:txBody>
       </p:sp>
       <p:pic>
         <p:nvPicPr>
-          <p:cNvPr id="13" name="내용 개체 틀 12">
-            <a:extLst>
-              <a:ext uri="{FF2B5EF4-FFF2-40B4-BE49-F238E27FC236}">
-                <a16:creationId xmlns:a16="http://schemas.microsoft.com/office/drawing/2014/main" id="{16D89801-CCEC-471B-85EE-08D597E93451}"/>
+          <p:cNvPr id="21" name="내용 개체 틀 20">
+            <a:extLst>
+              <a:ext uri="{FF2B5EF4-FFF2-40B4-BE49-F238E27FC236}">
+                <a16:creationId xmlns:a16="http://schemas.microsoft.com/office/drawing/2014/main" id="{C221814D-C31E-4870-A464-69140D83C8A5}"/>
               </a:ext>
             </a:extLst>
           </p:cNvPr>
@@ -5385,15 +5386,15 @@
         </p:blipFill>
         <p:spPr>
           <a:xfrm>
-            <a:off x="261594" y="1690688"/>
-            <a:ext cx="11668811" cy="4391951"/>
+            <a:off x="583500" y="1769427"/>
+            <a:ext cx="11025000" cy="4667250"/>
           </a:xfrm>
         </p:spPr>
       </p:pic>
     </p:spTree>
     <p:extLst>
       <p:ext uri="{BB962C8B-B14F-4D97-AF65-F5344CB8AC3E}">
-        <p14:creationId xmlns:p14="http://schemas.microsoft.com/office/powerpoint/2010/main" val="1488103386"/>
+        <p14:creationId xmlns:p14="http://schemas.microsoft.com/office/powerpoint/2010/main" val="985437520"/>
       </p:ext>
     </p:extLst>
   </p:cSld>
@@ -5425,7 +5426,7 @@
           <p:cNvPr id="2" name="제목 1">
             <a:extLst>
               <a:ext uri="{FF2B5EF4-FFF2-40B4-BE49-F238E27FC236}">
-                <a16:creationId xmlns:a16="http://schemas.microsoft.com/office/drawing/2014/main" id="{51368DEB-6628-45DA-BB25-0C8402A7402D}"/>
+                <a16:creationId xmlns:a16="http://schemas.microsoft.com/office/drawing/2014/main" id="{3EB79133-5325-4E36-8C36-D9348A87F943}"/>
               </a:ext>
             </a:extLst>
           </p:cNvPr>
@@ -5442,22 +5443,18 @@
           <a:lstStyle/>
           <a:p>
             <a:r>
-              <a:rPr lang="ko-KR" altLang="en-US" dirty="0" err="1"/>
-              <a:t>정보나눔</a:t>
-            </a:r>
-            <a:r>
-              <a:rPr lang="ko-KR" altLang="en-US" dirty="0"/>
-              <a:t> 클래스 다이어그램</a:t>
+              <a:rPr lang="ko-KR" altLang="en-US" dirty="0"/>
+              <a:t>커뮤니티 클래스 다이어그램</a:t>
             </a:r>
           </a:p>
         </p:txBody>
       </p:sp>
       <p:pic>
         <p:nvPicPr>
-          <p:cNvPr id="5" name="내용 개체 틀 4" descr="텍스트이(가) 표시된 사진&#10;&#10;자동 생성된 설명">
-            <a:extLst>
-              <a:ext uri="{FF2B5EF4-FFF2-40B4-BE49-F238E27FC236}">
-                <a16:creationId xmlns:a16="http://schemas.microsoft.com/office/drawing/2014/main" id="{62742561-9AFF-4A4A-B9FD-01186A59CF5C}"/>
+          <p:cNvPr id="13" name="내용 개체 틀 12">
+            <a:extLst>
+              <a:ext uri="{FF2B5EF4-FFF2-40B4-BE49-F238E27FC236}">
+                <a16:creationId xmlns:a16="http://schemas.microsoft.com/office/drawing/2014/main" id="{16D89801-CCEC-471B-85EE-08D597E93451}"/>
               </a:ext>
             </a:extLst>
           </p:cNvPr>
@@ -5482,15 +5479,15 @@
         </p:blipFill>
         <p:spPr>
           <a:xfrm>
-            <a:off x="759771" y="2423160"/>
-            <a:ext cx="10672458" cy="3065493"/>
+            <a:off x="261594" y="1690688"/>
+            <a:ext cx="11668811" cy="4391951"/>
           </a:xfrm>
         </p:spPr>
       </p:pic>
     </p:spTree>
     <p:extLst>
       <p:ext uri="{BB962C8B-B14F-4D97-AF65-F5344CB8AC3E}">
-        <p14:creationId xmlns:p14="http://schemas.microsoft.com/office/powerpoint/2010/main" val="1414651153"/>
+        <p14:creationId xmlns:p14="http://schemas.microsoft.com/office/powerpoint/2010/main" val="1488103386"/>
       </p:ext>
     </p:extLst>
   </p:cSld>
@@ -5522,7 +5519,7 @@
           <p:cNvPr id="2" name="제목 1">
             <a:extLst>
               <a:ext uri="{FF2B5EF4-FFF2-40B4-BE49-F238E27FC236}">
-                <a16:creationId xmlns:a16="http://schemas.microsoft.com/office/drawing/2014/main" id="{419DA412-2D28-4387-9D1F-DCB089124147}"/>
+                <a16:creationId xmlns:a16="http://schemas.microsoft.com/office/drawing/2014/main" id="{51368DEB-6628-45DA-BB25-0C8402A7402D}"/>
               </a:ext>
             </a:extLst>
           </p:cNvPr>
@@ -5533,29 +5530,28 @@
             <p:ph type="title"/>
           </p:nvPr>
         </p:nvSpPr>
-        <p:spPr>
-          <a:xfrm>
-            <a:off x="449580" y="0"/>
-            <a:ext cx="10515600" cy="1325563"/>
-          </a:xfrm>
-        </p:spPr>
-        <p:txBody>
-          <a:bodyPr/>
-          <a:lstStyle/>
-          <a:p>
-            <a:r>
-              <a:rPr lang="ko-KR" altLang="en-US" dirty="0"/>
-              <a:t>마이페이지 클래스 다이어그램</a:t>
+        <p:spPr/>
+        <p:txBody>
+          <a:bodyPr/>
+          <a:lstStyle/>
+          <a:p>
+            <a:r>
+              <a:rPr lang="ko-KR" altLang="en-US" dirty="0" err="1"/>
+              <a:t>정보나눔</a:t>
+            </a:r>
+            <a:r>
+              <a:rPr lang="ko-KR" altLang="en-US" dirty="0"/>
+              <a:t> 클래스 다이어그램</a:t>
             </a:r>
           </a:p>
         </p:txBody>
       </p:sp>
       <p:pic>
         <p:nvPicPr>
-          <p:cNvPr id="6" name="내용 개체 틀 5">
-            <a:extLst>
-              <a:ext uri="{FF2B5EF4-FFF2-40B4-BE49-F238E27FC236}">
-                <a16:creationId xmlns:a16="http://schemas.microsoft.com/office/drawing/2014/main" id="{76CE9AD6-35DE-4EEE-A944-6BD8A0C27561}"/>
+          <p:cNvPr id="5" name="내용 개체 틀 4" descr="텍스트이(가) 표시된 사진&#10;&#10;자동 생성된 설명">
+            <a:extLst>
+              <a:ext uri="{FF2B5EF4-FFF2-40B4-BE49-F238E27FC236}">
+                <a16:creationId xmlns:a16="http://schemas.microsoft.com/office/drawing/2014/main" id="{62742561-9AFF-4A4A-B9FD-01186A59CF5C}"/>
               </a:ext>
             </a:extLst>
           </p:cNvPr>
@@ -5580,8 +5576,101 @@
         </p:blipFill>
         <p:spPr>
           <a:xfrm>
-            <a:off x="2050491" y="971550"/>
-            <a:ext cx="8091018" cy="5975478"/>
+            <a:off x="759771" y="2423160"/>
+            <a:ext cx="10672458" cy="3065493"/>
+          </a:xfrm>
+        </p:spPr>
+      </p:pic>
+    </p:spTree>
+    <p:extLst>
+      <p:ext uri="{BB962C8B-B14F-4D97-AF65-F5344CB8AC3E}">
+        <p14:creationId xmlns:p14="http://schemas.microsoft.com/office/powerpoint/2010/main" val="1414651153"/>
+      </p:ext>
+    </p:extLst>
+  </p:cSld>
+  <p:clrMapOvr>
+    <a:masterClrMapping/>
+  </p:clrMapOvr>
+</p:sld>
+</file>
+
+<file path=ppt/slides/slide8.xml><?xml version="1.0" encoding="utf-8"?>
+<p:sld xmlns:a="http://schemas.openxmlformats.org/drawingml/2006/main" xmlns:r="http://schemas.openxmlformats.org/officeDocument/2006/relationships" xmlns:p="http://schemas.openxmlformats.org/presentationml/2006/main">
+  <p:cSld>
+    <p:spTree>
+      <p:nvGrpSpPr>
+        <p:cNvPr id="1" name=""/>
+        <p:cNvGrpSpPr/>
+        <p:nvPr/>
+      </p:nvGrpSpPr>
+      <p:grpSpPr>
+        <a:xfrm>
+          <a:off x="0" y="0"/>
+          <a:ext cx="0" cy="0"/>
+          <a:chOff x="0" y="0"/>
+          <a:chExt cx="0" cy="0"/>
+        </a:xfrm>
+      </p:grpSpPr>
+      <p:sp>
+        <p:nvSpPr>
+          <p:cNvPr id="2" name="제목 1">
+            <a:extLst>
+              <a:ext uri="{FF2B5EF4-FFF2-40B4-BE49-F238E27FC236}">
+                <a16:creationId xmlns:a16="http://schemas.microsoft.com/office/drawing/2014/main" id="{419DA412-2D28-4387-9D1F-DCB089124147}"/>
+              </a:ext>
+            </a:extLst>
+          </p:cNvPr>
+          <p:cNvSpPr>
+            <a:spLocks noGrp="1"/>
+          </p:cNvSpPr>
+          <p:nvPr>
+            <p:ph type="title"/>
+          </p:nvPr>
+        </p:nvSpPr>
+        <p:spPr/>
+        <p:txBody>
+          <a:bodyPr/>
+          <a:lstStyle/>
+          <a:p>
+            <a:r>
+              <a:rPr lang="ko-KR" altLang="en-US" dirty="0"/>
+              <a:t>마이페이지 클래스 다이어그램</a:t>
+            </a:r>
+          </a:p>
+        </p:txBody>
+      </p:sp>
+      <p:pic>
+        <p:nvPicPr>
+          <p:cNvPr id="13" name="내용 개체 틀 12">
+            <a:extLst>
+              <a:ext uri="{FF2B5EF4-FFF2-40B4-BE49-F238E27FC236}">
+                <a16:creationId xmlns:a16="http://schemas.microsoft.com/office/drawing/2014/main" id="{73A3A9D9-B08A-41EF-8874-A146B51E2E92}"/>
+              </a:ext>
+            </a:extLst>
+          </p:cNvPr>
+          <p:cNvPicPr>
+            <a:picLocks noGrp="1" noChangeAspect="1"/>
+          </p:cNvPicPr>
+          <p:nvPr>
+            <p:ph idx="1"/>
+          </p:nvPr>
+        </p:nvPicPr>
+        <p:blipFill>
+          <a:blip r:embed="rId3">
+            <a:extLst>
+              <a:ext uri="{28A0092B-C50C-407E-A947-70E740481C1C}">
+                <a14:useLocalDpi xmlns:a14="http://schemas.microsoft.com/office/drawing/2010/main" val="0"/>
+              </a:ext>
+            </a:extLst>
+          </a:blip>
+          <a:stretch>
+            <a:fillRect/>
+          </a:stretch>
+        </p:blipFill>
+        <p:spPr>
+          <a:xfrm>
+            <a:off x="2315674" y="1414144"/>
+            <a:ext cx="7371182" cy="5443856"/>
           </a:xfrm>
         </p:spPr>
       </p:pic>

--- a/최종발표/최종발표 PPT_백엔드.pptx
+++ b/최종발표/최종발표 PPT_백엔드.pptx
@@ -5,7 +5,7 @@
     <p:sldMasterId id="2147483648" r:id="rId1"/>
   </p:sldMasterIdLst>
   <p:notesMasterIdLst>
-    <p:notesMasterId r:id="rId10"/>
+    <p:notesMasterId r:id="rId13"/>
   </p:notesMasterIdLst>
   <p:sldIdLst>
     <p:sldId id="257" r:id="rId2"/>
@@ -16,6 +16,9 @@
     <p:sldId id="261" r:id="rId7"/>
     <p:sldId id="262" r:id="rId8"/>
     <p:sldId id="263" r:id="rId9"/>
+    <p:sldId id="265" r:id="rId10"/>
+    <p:sldId id="266" r:id="rId11"/>
+    <p:sldId id="267" r:id="rId12"/>
   </p:sldIdLst>
   <p:sldSz cx="12192000" cy="6858000"/>
   <p:notesSz cx="6858000" cy="9144000"/>
@@ -204,7 +207,7 @@
           <a:p>
             <a:fld id="{D8C6FF69-C464-4C4B-86B4-13E8416C2B2A}" type="datetimeFigureOut">
               <a:rPr lang="ko-KR" altLang="en-US" smtClean="0"/>
-              <a:t>2021-11-24</a:t>
+              <a:t>2021-11-27</a:t>
             </a:fld>
             <a:endParaRPr lang="ko-KR" altLang="en-US"/>
           </a:p>
@@ -635,6 +638,124 @@
 </p:notes>
 </file>
 
+<file path=ppt/notesSlides/notesSlide10.xml><?xml version="1.0" encoding="utf-8"?>
+<p:notes xmlns:a="http://schemas.openxmlformats.org/drawingml/2006/main" xmlns:r="http://schemas.openxmlformats.org/officeDocument/2006/relationships" xmlns:p="http://schemas.openxmlformats.org/presentationml/2006/main">
+  <p:cSld>
+    <p:spTree>
+      <p:nvGrpSpPr>
+        <p:cNvPr id="1" name=""/>
+        <p:cNvGrpSpPr/>
+        <p:nvPr/>
+      </p:nvGrpSpPr>
+      <p:grpSpPr>
+        <a:xfrm>
+          <a:off x="0" y="0"/>
+          <a:ext cx="0" cy="0"/>
+          <a:chOff x="0" y="0"/>
+          <a:chExt cx="0" cy="0"/>
+        </a:xfrm>
+      </p:grpSpPr>
+      <p:sp>
+        <p:nvSpPr>
+          <p:cNvPr id="2" name="슬라이드 이미지 개체 틀 1"/>
+          <p:cNvSpPr>
+            <a:spLocks noGrp="1" noRot="1" noChangeAspect="1"/>
+          </p:cNvSpPr>
+          <p:nvPr>
+            <p:ph type="sldImg"/>
+          </p:nvPr>
+        </p:nvSpPr>
+        <p:spPr/>
+      </p:sp>
+      <p:sp>
+        <p:nvSpPr>
+          <p:cNvPr id="3" name="슬라이드 노트 개체 틀 2"/>
+          <p:cNvSpPr>
+            <a:spLocks noGrp="1"/>
+          </p:cNvSpPr>
+          <p:nvPr>
+            <p:ph type="body" idx="1"/>
+          </p:nvPr>
+        </p:nvSpPr>
+        <p:spPr/>
+        <p:txBody>
+          <a:bodyPr/>
+          <a:lstStyle/>
+          <a:p>
+            <a:r>
+              <a:rPr lang="ko-KR" altLang="en-US" dirty="0"/>
+              <a:t>관심기업을 등록하고 </a:t>
+            </a:r>
+            <a:r>
+              <a:rPr lang="ko-KR" altLang="en-US" dirty="0" err="1"/>
+              <a:t>뒤로가기를</a:t>
+            </a:r>
+            <a:r>
+              <a:rPr lang="ko-KR" altLang="en-US" dirty="0"/>
+              <a:t> 클릭하면 별 표시가 된 것을 확인할 수 있다</a:t>
+            </a:r>
+            <a:r>
+              <a:rPr lang="en-US" altLang="ko-KR" dirty="0"/>
+              <a:t>.</a:t>
+            </a:r>
+          </a:p>
+          <a:p>
+            <a:r>
+              <a:rPr lang="ko-KR" altLang="en-US" dirty="0"/>
+              <a:t>마이페이지 </a:t>
+            </a:r>
+            <a:r>
+              <a:rPr lang="en-US" altLang="ko-KR" dirty="0"/>
+              <a:t>– </a:t>
+            </a:r>
+            <a:r>
+              <a:rPr lang="ko-KR" altLang="en-US" dirty="0"/>
+              <a:t>관심 기업 페이지에서 목록 관리가 가능하다</a:t>
+            </a:r>
+            <a:r>
+              <a:rPr lang="en-US" altLang="ko-KR" dirty="0"/>
+              <a:t>.</a:t>
+            </a:r>
+            <a:endParaRPr lang="ko-KR" altLang="en-US" dirty="0"/>
+          </a:p>
+        </p:txBody>
+      </p:sp>
+      <p:sp>
+        <p:nvSpPr>
+          <p:cNvPr id="4" name="슬라이드 번호 개체 틀 3"/>
+          <p:cNvSpPr>
+            <a:spLocks noGrp="1"/>
+          </p:cNvSpPr>
+          <p:nvPr>
+            <p:ph type="sldNum" sz="quarter" idx="5"/>
+          </p:nvPr>
+        </p:nvSpPr>
+        <p:spPr/>
+        <p:txBody>
+          <a:bodyPr/>
+          <a:lstStyle/>
+          <a:p>
+            <a:fld id="{765F3F73-CD03-464C-BBFD-E8A0539B772C}" type="slidenum">
+              <a:rPr lang="ko-KR" altLang="en-US" smtClean="0"/>
+              <a:t>11</a:t>
+            </a:fld>
+            <a:endParaRPr lang="ko-KR" altLang="en-US"/>
+          </a:p>
+        </p:txBody>
+      </p:sp>
+    </p:spTree>
+    <p:extLst>
+      <p:ext uri="{BB962C8B-B14F-4D97-AF65-F5344CB8AC3E}">
+        <p14:creationId xmlns:p14="http://schemas.microsoft.com/office/powerpoint/2010/main" val="1260737388"/>
+      </p:ext>
+    </p:extLst>
+  </p:cSld>
+  <p:clrMapOvr>
+    <a:masterClrMapping/>
+  </p:clrMapOvr>
+</p:notes>
+</file>
+
 <file path=ppt/notesSlides/notesSlide2.xml><?xml version="1.0" encoding="utf-8"?>
 <p:notes xmlns:a="http://schemas.openxmlformats.org/drawingml/2006/main" xmlns:r="http://schemas.openxmlformats.org/officeDocument/2006/relationships" xmlns:p="http://schemas.openxmlformats.org/presentationml/2006/main">
   <p:cSld>
@@ -1661,6 +1782,201 @@
     <p:extLst>
       <p:ext uri="{BB962C8B-B14F-4D97-AF65-F5344CB8AC3E}">
         <p14:creationId xmlns:p14="http://schemas.microsoft.com/office/powerpoint/2010/main" val="297968413"/>
+      </p:ext>
+    </p:extLst>
+  </p:cSld>
+  <p:clrMapOvr>
+    <a:masterClrMapping/>
+  </p:clrMapOvr>
+</p:notes>
+</file>
+
+<file path=ppt/notesSlides/notesSlide8.xml><?xml version="1.0" encoding="utf-8"?>
+<p:notes xmlns:a="http://schemas.openxmlformats.org/drawingml/2006/main" xmlns:r="http://schemas.openxmlformats.org/officeDocument/2006/relationships" xmlns:p="http://schemas.openxmlformats.org/presentationml/2006/main">
+  <p:cSld>
+    <p:spTree>
+      <p:nvGrpSpPr>
+        <p:cNvPr id="1" name=""/>
+        <p:cNvGrpSpPr/>
+        <p:nvPr/>
+      </p:nvGrpSpPr>
+      <p:grpSpPr>
+        <a:xfrm>
+          <a:off x="0" y="0"/>
+          <a:ext cx="0" cy="0"/>
+          <a:chOff x="0" y="0"/>
+          <a:chExt cx="0" cy="0"/>
+        </a:xfrm>
+      </p:grpSpPr>
+      <p:sp>
+        <p:nvSpPr>
+          <p:cNvPr id="2" name="슬라이드 이미지 개체 틀 1"/>
+          <p:cNvSpPr>
+            <a:spLocks noGrp="1" noRot="1" noChangeAspect="1"/>
+          </p:cNvSpPr>
+          <p:nvPr>
+            <p:ph type="sldImg"/>
+          </p:nvPr>
+        </p:nvSpPr>
+        <p:spPr/>
+      </p:sp>
+      <p:sp>
+        <p:nvSpPr>
+          <p:cNvPr id="3" name="슬라이드 노트 개체 틀 2"/>
+          <p:cNvSpPr>
+            <a:spLocks noGrp="1"/>
+          </p:cNvSpPr>
+          <p:nvPr>
+            <p:ph type="body" idx="1"/>
+          </p:nvPr>
+        </p:nvSpPr>
+        <p:spPr/>
+        <p:txBody>
+          <a:bodyPr/>
+          <a:lstStyle/>
+          <a:p>
+            <a:r>
+              <a:rPr lang="ko-KR" altLang="en-US" dirty="0"/>
+              <a:t>인덱스 페이지의 검색바에 검색어 입력 후 검색 버튼</a:t>
+            </a:r>
+            <a:r>
+              <a:rPr lang="en-US" altLang="ko-KR" dirty="0"/>
+              <a:t>(</a:t>
+            </a:r>
+            <a:r>
+              <a:rPr lang="ko-KR" altLang="en-US" dirty="0"/>
+              <a:t>돋보기 모양</a:t>
+            </a:r>
+            <a:r>
+              <a:rPr lang="en-US" altLang="ko-KR" dirty="0"/>
+              <a:t>)</a:t>
+            </a:r>
+            <a:r>
+              <a:rPr lang="ko-KR" altLang="en-US" dirty="0"/>
+              <a:t>을 누르면 통합 검색 페이지로 이동</a:t>
+            </a:r>
+          </a:p>
+        </p:txBody>
+      </p:sp>
+      <p:sp>
+        <p:nvSpPr>
+          <p:cNvPr id="4" name="슬라이드 번호 개체 틀 3"/>
+          <p:cNvSpPr>
+            <a:spLocks noGrp="1"/>
+          </p:cNvSpPr>
+          <p:nvPr>
+            <p:ph type="sldNum" sz="quarter" idx="5"/>
+          </p:nvPr>
+        </p:nvSpPr>
+        <p:spPr/>
+        <p:txBody>
+          <a:bodyPr/>
+          <a:lstStyle/>
+          <a:p>
+            <a:fld id="{765F3F73-CD03-464C-BBFD-E8A0539B772C}" type="slidenum">
+              <a:rPr lang="ko-KR" altLang="en-US" smtClean="0"/>
+              <a:t>9</a:t>
+            </a:fld>
+            <a:endParaRPr lang="ko-KR" altLang="en-US"/>
+          </a:p>
+        </p:txBody>
+      </p:sp>
+    </p:spTree>
+    <p:extLst>
+      <p:ext uri="{BB962C8B-B14F-4D97-AF65-F5344CB8AC3E}">
+        <p14:creationId xmlns:p14="http://schemas.microsoft.com/office/powerpoint/2010/main" val="2763051460"/>
+      </p:ext>
+    </p:extLst>
+  </p:cSld>
+  <p:clrMapOvr>
+    <a:masterClrMapping/>
+  </p:clrMapOvr>
+</p:notes>
+</file>
+
+<file path=ppt/notesSlides/notesSlide9.xml><?xml version="1.0" encoding="utf-8"?>
+<p:notes xmlns:a="http://schemas.openxmlformats.org/drawingml/2006/main" xmlns:r="http://schemas.openxmlformats.org/officeDocument/2006/relationships" xmlns:p="http://schemas.openxmlformats.org/presentationml/2006/main">
+  <p:cSld>
+    <p:spTree>
+      <p:nvGrpSpPr>
+        <p:cNvPr id="1" name=""/>
+        <p:cNvGrpSpPr/>
+        <p:nvPr/>
+      </p:nvGrpSpPr>
+      <p:grpSpPr>
+        <a:xfrm>
+          <a:off x="0" y="0"/>
+          <a:ext cx="0" cy="0"/>
+          <a:chOff x="0" y="0"/>
+          <a:chExt cx="0" cy="0"/>
+        </a:xfrm>
+      </p:grpSpPr>
+      <p:sp>
+        <p:nvSpPr>
+          <p:cNvPr id="2" name="슬라이드 이미지 개체 틀 1"/>
+          <p:cNvSpPr>
+            <a:spLocks noGrp="1" noRot="1" noChangeAspect="1"/>
+          </p:cNvSpPr>
+          <p:nvPr>
+            <p:ph type="sldImg"/>
+          </p:nvPr>
+        </p:nvSpPr>
+        <p:spPr/>
+      </p:sp>
+      <p:sp>
+        <p:nvSpPr>
+          <p:cNvPr id="3" name="슬라이드 노트 개체 틀 2"/>
+          <p:cNvSpPr>
+            <a:spLocks noGrp="1"/>
+          </p:cNvSpPr>
+          <p:nvPr>
+            <p:ph type="body" idx="1"/>
+          </p:nvPr>
+        </p:nvSpPr>
+        <p:spPr/>
+        <p:txBody>
+          <a:bodyPr/>
+          <a:lstStyle/>
+          <a:p>
+            <a:r>
+              <a:rPr lang="ko-KR" altLang="en-US" dirty="0"/>
+              <a:t>기업이름을 클릭하면 상세 기업 정보를 볼 수 있다</a:t>
+            </a:r>
+            <a:r>
+              <a:rPr lang="en-US" altLang="ko-KR" dirty="0"/>
+              <a:t>.</a:t>
+            </a:r>
+            <a:endParaRPr lang="ko-KR" altLang="en-US" dirty="0"/>
+          </a:p>
+        </p:txBody>
+      </p:sp>
+      <p:sp>
+        <p:nvSpPr>
+          <p:cNvPr id="4" name="슬라이드 번호 개체 틀 3"/>
+          <p:cNvSpPr>
+            <a:spLocks noGrp="1"/>
+          </p:cNvSpPr>
+          <p:nvPr>
+            <p:ph type="sldNum" sz="quarter" idx="5"/>
+          </p:nvPr>
+        </p:nvSpPr>
+        <p:spPr/>
+        <p:txBody>
+          <a:bodyPr/>
+          <a:lstStyle/>
+          <a:p>
+            <a:fld id="{765F3F73-CD03-464C-BBFD-E8A0539B772C}" type="slidenum">
+              <a:rPr lang="ko-KR" altLang="en-US" smtClean="0"/>
+              <a:t>10</a:t>
+            </a:fld>
+            <a:endParaRPr lang="ko-KR" altLang="en-US"/>
+          </a:p>
+        </p:txBody>
+      </p:sp>
+    </p:spTree>
+    <p:extLst>
+      <p:ext uri="{BB962C8B-B14F-4D97-AF65-F5344CB8AC3E}">
+        <p14:creationId xmlns:p14="http://schemas.microsoft.com/office/powerpoint/2010/main" val="948595248"/>
       </p:ext>
     </p:extLst>
   </p:cSld>
@@ -1817,7 +2133,7 @@
           <a:p>
             <a:fld id="{6FFC9F1F-6A18-48E1-AB20-87F6721E4D74}" type="datetimeFigureOut">
               <a:rPr lang="ko-KR" altLang="en-US" smtClean="0"/>
-              <a:t>2021-11-24</a:t>
+              <a:t>2021-11-27</a:t>
             </a:fld>
             <a:endParaRPr lang="ko-KR" altLang="en-US"/>
           </a:p>
@@ -2015,7 +2331,7 @@
           <a:p>
             <a:fld id="{6FFC9F1F-6A18-48E1-AB20-87F6721E4D74}" type="datetimeFigureOut">
               <a:rPr lang="ko-KR" altLang="en-US" smtClean="0"/>
-              <a:t>2021-11-24</a:t>
+              <a:t>2021-11-27</a:t>
             </a:fld>
             <a:endParaRPr lang="ko-KR" altLang="en-US"/>
           </a:p>
@@ -2223,7 +2539,7 @@
           <a:p>
             <a:fld id="{6FFC9F1F-6A18-48E1-AB20-87F6721E4D74}" type="datetimeFigureOut">
               <a:rPr lang="ko-KR" altLang="en-US" smtClean="0"/>
-              <a:t>2021-11-24</a:t>
+              <a:t>2021-11-27</a:t>
             </a:fld>
             <a:endParaRPr lang="ko-KR" altLang="en-US"/>
           </a:p>
@@ -2421,7 +2737,7 @@
           <a:p>
             <a:fld id="{6FFC9F1F-6A18-48E1-AB20-87F6721E4D74}" type="datetimeFigureOut">
               <a:rPr lang="ko-KR" altLang="en-US" smtClean="0"/>
-              <a:t>2021-11-24</a:t>
+              <a:t>2021-11-27</a:t>
             </a:fld>
             <a:endParaRPr lang="ko-KR" altLang="en-US"/>
           </a:p>
@@ -2696,7 +3012,7 @@
           <a:p>
             <a:fld id="{6FFC9F1F-6A18-48E1-AB20-87F6721E4D74}" type="datetimeFigureOut">
               <a:rPr lang="ko-KR" altLang="en-US" smtClean="0"/>
-              <a:t>2021-11-24</a:t>
+              <a:t>2021-11-27</a:t>
             </a:fld>
             <a:endParaRPr lang="ko-KR" altLang="en-US"/>
           </a:p>
@@ -2961,7 +3277,7 @@
           <a:p>
             <a:fld id="{6FFC9F1F-6A18-48E1-AB20-87F6721E4D74}" type="datetimeFigureOut">
               <a:rPr lang="ko-KR" altLang="en-US" smtClean="0"/>
-              <a:t>2021-11-24</a:t>
+              <a:t>2021-11-27</a:t>
             </a:fld>
             <a:endParaRPr lang="ko-KR" altLang="en-US"/>
           </a:p>
@@ -3373,7 +3689,7 @@
           <a:p>
             <a:fld id="{6FFC9F1F-6A18-48E1-AB20-87F6721E4D74}" type="datetimeFigureOut">
               <a:rPr lang="ko-KR" altLang="en-US" smtClean="0"/>
-              <a:t>2021-11-24</a:t>
+              <a:t>2021-11-27</a:t>
             </a:fld>
             <a:endParaRPr lang="ko-KR" altLang="en-US"/>
           </a:p>
@@ -3514,7 +3830,7 @@
           <a:p>
             <a:fld id="{6FFC9F1F-6A18-48E1-AB20-87F6721E4D74}" type="datetimeFigureOut">
               <a:rPr lang="ko-KR" altLang="en-US" smtClean="0"/>
-              <a:t>2021-11-24</a:t>
+              <a:t>2021-11-27</a:t>
             </a:fld>
             <a:endParaRPr lang="ko-KR" altLang="en-US"/>
           </a:p>
@@ -3627,7 +3943,7 @@
           <a:p>
             <a:fld id="{6FFC9F1F-6A18-48E1-AB20-87F6721E4D74}" type="datetimeFigureOut">
               <a:rPr lang="ko-KR" altLang="en-US" smtClean="0"/>
-              <a:t>2021-11-24</a:t>
+              <a:t>2021-11-27</a:t>
             </a:fld>
             <a:endParaRPr lang="ko-KR" altLang="en-US"/>
           </a:p>
@@ -3938,7 +4254,7 @@
           <a:p>
             <a:fld id="{6FFC9F1F-6A18-48E1-AB20-87F6721E4D74}" type="datetimeFigureOut">
               <a:rPr lang="ko-KR" altLang="en-US" smtClean="0"/>
-              <a:t>2021-11-24</a:t>
+              <a:t>2021-11-27</a:t>
             </a:fld>
             <a:endParaRPr lang="ko-KR" altLang="en-US"/>
           </a:p>
@@ -4226,7 +4542,7 @@
           <a:p>
             <a:fld id="{6FFC9F1F-6A18-48E1-AB20-87F6721E4D74}" type="datetimeFigureOut">
               <a:rPr lang="ko-KR" altLang="en-US" smtClean="0"/>
-              <a:t>2021-11-24</a:t>
+              <a:t>2021-11-27</a:t>
             </a:fld>
             <a:endParaRPr lang="ko-KR" altLang="en-US"/>
           </a:p>
@@ -4467,7 +4783,7 @@
           <a:p>
             <a:fld id="{6FFC9F1F-6A18-48E1-AB20-87F6721E4D74}" type="datetimeFigureOut">
               <a:rPr lang="ko-KR" altLang="en-US" smtClean="0"/>
-              <a:t>2021-11-24</a:t>
+              <a:t>2021-11-27</a:t>
             </a:fld>
             <a:endParaRPr lang="ko-KR" altLang="en-US"/>
           </a:p>
@@ -5032,6 +5348,300 @@
 </p:sld>
 </file>
 
+<file path=ppt/slides/slide10.xml><?xml version="1.0" encoding="utf-8"?>
+<p:sld xmlns:a="http://schemas.openxmlformats.org/drawingml/2006/main" xmlns:r="http://schemas.openxmlformats.org/officeDocument/2006/relationships" xmlns:p="http://schemas.openxmlformats.org/presentationml/2006/main">
+  <p:cSld>
+    <p:spTree>
+      <p:nvGrpSpPr>
+        <p:cNvPr id="1" name=""/>
+        <p:cNvGrpSpPr/>
+        <p:nvPr/>
+      </p:nvGrpSpPr>
+      <p:grpSpPr>
+        <a:xfrm>
+          <a:off x="0" y="0"/>
+          <a:ext cx="0" cy="0"/>
+          <a:chOff x="0" y="0"/>
+          <a:chExt cx="0" cy="0"/>
+        </a:xfrm>
+      </p:grpSpPr>
+      <p:sp>
+        <p:nvSpPr>
+          <p:cNvPr id="2" name="제목 1">
+            <a:extLst>
+              <a:ext uri="{FF2B5EF4-FFF2-40B4-BE49-F238E27FC236}">
+                <a16:creationId xmlns:a16="http://schemas.microsoft.com/office/drawing/2014/main" id="{8D6CA387-0466-49EA-A21D-7C2B07A4A233}"/>
+              </a:ext>
+            </a:extLst>
+          </p:cNvPr>
+          <p:cNvSpPr>
+            <a:spLocks noGrp="1"/>
+          </p:cNvSpPr>
+          <p:nvPr>
+            <p:ph type="title"/>
+          </p:nvPr>
+        </p:nvSpPr>
+        <p:spPr/>
+        <p:txBody>
+          <a:bodyPr/>
+          <a:lstStyle/>
+          <a:p>
+            <a:r>
+              <a:rPr lang="ko-KR" altLang="en-US" dirty="0"/>
+              <a:t>웹 시연</a:t>
+            </a:r>
+          </a:p>
+        </p:txBody>
+      </p:sp>
+      <p:pic>
+        <p:nvPicPr>
+          <p:cNvPr id="7" name="그림 6" descr="텍스트이(가) 표시된 사진&#10;&#10;자동 생성된 설명">
+            <a:extLst>
+              <a:ext uri="{FF2B5EF4-FFF2-40B4-BE49-F238E27FC236}">
+                <a16:creationId xmlns:a16="http://schemas.microsoft.com/office/drawing/2014/main" id="{8A2C4295-325C-4F68-ACD9-EA89D53108FB}"/>
+              </a:ext>
+            </a:extLst>
+          </p:cNvPr>
+          <p:cNvPicPr>
+            <a:picLocks noChangeAspect="1"/>
+          </p:cNvPicPr>
+          <p:nvPr/>
+        </p:nvPicPr>
+        <p:blipFill>
+          <a:blip r:embed="rId3">
+            <a:extLst>
+              <a:ext uri="{28A0092B-C50C-407E-A947-70E740481C1C}">
+                <a14:useLocalDpi xmlns:a14="http://schemas.microsoft.com/office/drawing/2010/main" val="0"/>
+              </a:ext>
+            </a:extLst>
+          </a:blip>
+          <a:stretch>
+            <a:fillRect/>
+          </a:stretch>
+        </p:blipFill>
+        <p:spPr>
+          <a:xfrm>
+            <a:off x="564596" y="1308885"/>
+            <a:ext cx="8448775" cy="3729595"/>
+          </a:xfrm>
+          <a:prstGeom prst="rect">
+            <a:avLst/>
+          </a:prstGeom>
+        </p:spPr>
+      </p:pic>
+      <p:pic>
+        <p:nvPicPr>
+          <p:cNvPr id="5" name="내용 개체 틀 4">
+            <a:extLst>
+              <a:ext uri="{FF2B5EF4-FFF2-40B4-BE49-F238E27FC236}">
+                <a16:creationId xmlns:a16="http://schemas.microsoft.com/office/drawing/2014/main" id="{A6636CFD-40C3-4B78-9EED-956D3FEAB6C9}"/>
+              </a:ext>
+            </a:extLst>
+          </p:cNvPr>
+          <p:cNvPicPr>
+            <a:picLocks noGrp="1" noChangeAspect="1"/>
+          </p:cNvPicPr>
+          <p:nvPr>
+            <p:ph idx="1"/>
+          </p:nvPr>
+        </p:nvPicPr>
+        <p:blipFill>
+          <a:blip r:embed="rId4">
+            <a:extLst>
+              <a:ext uri="{28A0092B-C50C-407E-A947-70E740481C1C}">
+                <a14:useLocalDpi xmlns:a14="http://schemas.microsoft.com/office/drawing/2010/main" val="0"/>
+              </a:ext>
+            </a:extLst>
+          </a:blip>
+          <a:stretch>
+            <a:fillRect/>
+          </a:stretch>
+        </p:blipFill>
+        <p:spPr>
+          <a:xfrm>
+            <a:off x="3279972" y="3038297"/>
+            <a:ext cx="8363380" cy="3454578"/>
+          </a:xfrm>
+        </p:spPr>
+      </p:pic>
+    </p:spTree>
+    <p:extLst>
+      <p:ext uri="{BB962C8B-B14F-4D97-AF65-F5344CB8AC3E}">
+        <p14:creationId xmlns:p14="http://schemas.microsoft.com/office/powerpoint/2010/main" val="4264282629"/>
+      </p:ext>
+    </p:extLst>
+  </p:cSld>
+  <p:clrMapOvr>
+    <a:masterClrMapping/>
+  </p:clrMapOvr>
+</p:sld>
+</file>
+
+<file path=ppt/slides/slide11.xml><?xml version="1.0" encoding="utf-8"?>
+<p:sld xmlns:a="http://schemas.openxmlformats.org/drawingml/2006/main" xmlns:r="http://schemas.openxmlformats.org/officeDocument/2006/relationships" xmlns:p="http://schemas.openxmlformats.org/presentationml/2006/main">
+  <p:cSld>
+    <p:spTree>
+      <p:nvGrpSpPr>
+        <p:cNvPr id="1" name=""/>
+        <p:cNvGrpSpPr/>
+        <p:nvPr/>
+      </p:nvGrpSpPr>
+      <p:grpSpPr>
+        <a:xfrm>
+          <a:off x="0" y="0"/>
+          <a:ext cx="0" cy="0"/>
+          <a:chOff x="0" y="0"/>
+          <a:chExt cx="0" cy="0"/>
+        </a:xfrm>
+      </p:grpSpPr>
+      <p:sp>
+        <p:nvSpPr>
+          <p:cNvPr id="2" name="제목 1">
+            <a:extLst>
+              <a:ext uri="{FF2B5EF4-FFF2-40B4-BE49-F238E27FC236}">
+                <a16:creationId xmlns:a16="http://schemas.microsoft.com/office/drawing/2014/main" id="{FA4ED3EF-BF90-4025-9330-3E904731441A}"/>
+              </a:ext>
+            </a:extLst>
+          </p:cNvPr>
+          <p:cNvSpPr>
+            <a:spLocks noGrp="1"/>
+          </p:cNvSpPr>
+          <p:nvPr>
+            <p:ph type="title"/>
+          </p:nvPr>
+        </p:nvSpPr>
+        <p:spPr/>
+        <p:txBody>
+          <a:bodyPr/>
+          <a:lstStyle/>
+          <a:p>
+            <a:r>
+              <a:rPr lang="ko-KR" altLang="en-US" dirty="0"/>
+              <a:t>웹 시연</a:t>
+            </a:r>
+          </a:p>
+        </p:txBody>
+      </p:sp>
+      <p:pic>
+        <p:nvPicPr>
+          <p:cNvPr id="5" name="내용 개체 틀 4">
+            <a:extLst>
+              <a:ext uri="{FF2B5EF4-FFF2-40B4-BE49-F238E27FC236}">
+                <a16:creationId xmlns:a16="http://schemas.microsoft.com/office/drawing/2014/main" id="{26467FC6-7E4A-4765-B0E9-598833B72627}"/>
+              </a:ext>
+            </a:extLst>
+          </p:cNvPr>
+          <p:cNvPicPr>
+            <a:picLocks noGrp="1" noChangeAspect="1"/>
+          </p:cNvPicPr>
+          <p:nvPr>
+            <p:ph idx="1"/>
+          </p:nvPr>
+        </p:nvPicPr>
+        <p:blipFill>
+          <a:blip r:embed="rId3">
+            <a:extLst>
+              <a:ext uri="{28A0092B-C50C-407E-A947-70E740481C1C}">
+                <a14:useLocalDpi xmlns:a14="http://schemas.microsoft.com/office/drawing/2010/main" val="0"/>
+              </a:ext>
+            </a:extLst>
+          </a:blip>
+          <a:stretch>
+            <a:fillRect/>
+          </a:stretch>
+        </p:blipFill>
+        <p:spPr>
+          <a:xfrm>
+            <a:off x="476318" y="3327267"/>
+            <a:ext cx="2425825" cy="825542"/>
+          </a:xfrm>
+        </p:spPr>
+      </p:pic>
+      <p:pic>
+        <p:nvPicPr>
+          <p:cNvPr id="7" name="그림 6" descr="텍스트이(가) 표시된 사진&#10;&#10;자동 생성된 설명">
+            <a:extLst>
+              <a:ext uri="{FF2B5EF4-FFF2-40B4-BE49-F238E27FC236}">
+                <a16:creationId xmlns:a16="http://schemas.microsoft.com/office/drawing/2014/main" id="{66CB7DAB-4CBF-4CDF-8192-EF946DFAD47D}"/>
+              </a:ext>
+            </a:extLst>
+          </p:cNvPr>
+          <p:cNvPicPr>
+            <a:picLocks noChangeAspect="1"/>
+          </p:cNvPicPr>
+          <p:nvPr/>
+        </p:nvPicPr>
+        <p:blipFill>
+          <a:blip r:embed="rId4">
+            <a:extLst>
+              <a:ext uri="{28A0092B-C50C-407E-A947-70E740481C1C}">
+                <a14:useLocalDpi xmlns:a14="http://schemas.microsoft.com/office/drawing/2010/main" val="0"/>
+              </a:ext>
+            </a:extLst>
+          </a:blip>
+          <a:stretch>
+            <a:fillRect/>
+          </a:stretch>
+        </p:blipFill>
+        <p:spPr>
+          <a:xfrm>
+            <a:off x="3017637" y="1027906"/>
+            <a:ext cx="8579291" cy="4019757"/>
+          </a:xfrm>
+          <a:prstGeom prst="rect">
+            <a:avLst/>
+          </a:prstGeom>
+        </p:spPr>
+      </p:pic>
+      <p:pic>
+        <p:nvPicPr>
+          <p:cNvPr id="9" name="그림 8">
+            <a:extLst>
+              <a:ext uri="{FF2B5EF4-FFF2-40B4-BE49-F238E27FC236}">
+                <a16:creationId xmlns:a16="http://schemas.microsoft.com/office/drawing/2014/main" id="{A78163E5-2C12-4C8D-A0A5-1BFAC22C8A55}"/>
+              </a:ext>
+            </a:extLst>
+          </p:cNvPr>
+          <p:cNvPicPr>
+            <a:picLocks noChangeAspect="1"/>
+          </p:cNvPicPr>
+          <p:nvPr/>
+        </p:nvPicPr>
+        <p:blipFill>
+          <a:blip r:embed="rId5">
+            <a:extLst>
+              <a:ext uri="{28A0092B-C50C-407E-A947-70E740481C1C}">
+                <a14:useLocalDpi xmlns:a14="http://schemas.microsoft.com/office/drawing/2010/main" val="0"/>
+              </a:ext>
+            </a:extLst>
+          </a:blip>
+          <a:stretch>
+            <a:fillRect/>
+          </a:stretch>
+        </p:blipFill>
+        <p:spPr>
+          <a:xfrm>
+            <a:off x="3122417" y="4398050"/>
+            <a:ext cx="8369730" cy="1524078"/>
+          </a:xfrm>
+          <a:prstGeom prst="rect">
+            <a:avLst/>
+          </a:prstGeom>
+        </p:spPr>
+      </p:pic>
+    </p:spTree>
+    <p:extLst>
+      <p:ext uri="{BB962C8B-B14F-4D97-AF65-F5344CB8AC3E}">
+        <p14:creationId xmlns:p14="http://schemas.microsoft.com/office/powerpoint/2010/main" val="2567908350"/>
+      </p:ext>
+    </p:extLst>
+  </p:cSld>
+  <p:clrMapOvr>
+    <a:masterClrMapping/>
+  </p:clrMapOvr>
+</p:sld>
+</file>
+
 <file path=ppt/slides/slide2.xml><?xml version="1.0" encoding="utf-8"?>
 <p:sld xmlns:a="http://schemas.openxmlformats.org/drawingml/2006/main" xmlns:r="http://schemas.openxmlformats.org/officeDocument/2006/relationships" xmlns:p="http://schemas.openxmlformats.org/presentationml/2006/main">
   <p:cSld>
@@ -5678,6 +6288,218 @@
     <p:extLst>
       <p:ext uri="{BB962C8B-B14F-4D97-AF65-F5344CB8AC3E}">
         <p14:creationId xmlns:p14="http://schemas.microsoft.com/office/powerpoint/2010/main" val="684300482"/>
+      </p:ext>
+    </p:extLst>
+  </p:cSld>
+  <p:clrMapOvr>
+    <a:masterClrMapping/>
+  </p:clrMapOvr>
+</p:sld>
+</file>
+
+<file path=ppt/slides/slide9.xml><?xml version="1.0" encoding="utf-8"?>
+<p:sld xmlns:a="http://schemas.openxmlformats.org/drawingml/2006/main" xmlns:r="http://schemas.openxmlformats.org/officeDocument/2006/relationships" xmlns:p="http://schemas.openxmlformats.org/presentationml/2006/main">
+  <p:cSld>
+    <p:spTree>
+      <p:nvGrpSpPr>
+        <p:cNvPr id="1" name=""/>
+        <p:cNvGrpSpPr/>
+        <p:nvPr/>
+      </p:nvGrpSpPr>
+      <p:grpSpPr>
+        <a:xfrm>
+          <a:off x="0" y="0"/>
+          <a:ext cx="0" cy="0"/>
+          <a:chOff x="0" y="0"/>
+          <a:chExt cx="0" cy="0"/>
+        </a:xfrm>
+      </p:grpSpPr>
+      <p:sp>
+        <p:nvSpPr>
+          <p:cNvPr id="2" name="제목 1">
+            <a:extLst>
+              <a:ext uri="{FF2B5EF4-FFF2-40B4-BE49-F238E27FC236}">
+                <a16:creationId xmlns:a16="http://schemas.microsoft.com/office/drawing/2014/main" id="{AC558561-31B1-4C82-9777-E0BB4F4C2DA4}"/>
+              </a:ext>
+            </a:extLst>
+          </p:cNvPr>
+          <p:cNvSpPr>
+            <a:spLocks noGrp="1"/>
+          </p:cNvSpPr>
+          <p:nvPr>
+            <p:ph type="title"/>
+          </p:nvPr>
+        </p:nvSpPr>
+        <p:spPr/>
+        <p:txBody>
+          <a:bodyPr/>
+          <a:lstStyle/>
+          <a:p>
+            <a:r>
+              <a:rPr lang="ko-KR" altLang="en-US" dirty="0"/>
+              <a:t>웹 시연</a:t>
+            </a:r>
+          </a:p>
+        </p:txBody>
+      </p:sp>
+      <p:cxnSp>
+        <p:nvCxnSpPr>
+          <p:cNvPr id="9" name="연결선: 꺾임 8">
+            <a:extLst>
+              <a:ext uri="{FF2B5EF4-FFF2-40B4-BE49-F238E27FC236}">
+                <a16:creationId xmlns:a16="http://schemas.microsoft.com/office/drawing/2014/main" id="{20EEE6DE-C8B1-43DB-A9B0-26F8AF3114F0}"/>
+              </a:ext>
+            </a:extLst>
+          </p:cNvPr>
+          <p:cNvCxnSpPr>
+            <a:cxnSpLocks/>
+          </p:cNvCxnSpPr>
+          <p:nvPr/>
+        </p:nvCxnSpPr>
+        <p:spPr>
+          <a:xfrm>
+            <a:off x="7880155" y="2248746"/>
+            <a:ext cx="290067" cy="650908"/>
+          </a:xfrm>
+          <a:prstGeom prst="bentConnector2">
+            <a:avLst/>
+          </a:prstGeom>
+          <a:ln w="76200">
+            <a:tailEnd type="triangle"/>
+          </a:ln>
+        </p:spPr>
+        <p:style>
+          <a:lnRef idx="1">
+            <a:schemeClr val="accent1"/>
+          </a:lnRef>
+          <a:fillRef idx="0">
+            <a:schemeClr val="accent1"/>
+          </a:fillRef>
+          <a:effectRef idx="0">
+            <a:schemeClr val="accent1"/>
+          </a:effectRef>
+          <a:fontRef idx="minor">
+            <a:schemeClr val="tx1"/>
+          </a:fontRef>
+        </p:style>
+      </p:cxnSp>
+      <p:sp>
+        <p:nvSpPr>
+          <p:cNvPr id="10" name="TextBox 9">
+            <a:extLst>
+              <a:ext uri="{FF2B5EF4-FFF2-40B4-BE49-F238E27FC236}">
+                <a16:creationId xmlns:a16="http://schemas.microsoft.com/office/drawing/2014/main" id="{6F14A23F-A84C-49D5-9A13-578DFC9CB416}"/>
+              </a:ext>
+            </a:extLst>
+          </p:cNvPr>
+          <p:cNvSpPr txBox="1"/>
+          <p:nvPr/>
+        </p:nvSpPr>
+        <p:spPr>
+          <a:xfrm>
+            <a:off x="8417772" y="2101932"/>
+            <a:ext cx="2656496" cy="646331"/>
+          </a:xfrm>
+          <a:prstGeom prst="rect">
+            <a:avLst/>
+          </a:prstGeom>
+          <a:noFill/>
+        </p:spPr>
+        <p:txBody>
+          <a:bodyPr wrap="none" rtlCol="0">
+            <a:spAutoFit/>
+          </a:bodyPr>
+          <a:lstStyle/>
+          <a:p>
+            <a:r>
+              <a:rPr lang="ko-KR" altLang="en-US" dirty="0"/>
+              <a:t>인덱스 페이지 검색바에</a:t>
+            </a:r>
+            <a:endParaRPr lang="en-US" altLang="ko-KR" dirty="0"/>
+          </a:p>
+          <a:p>
+            <a:r>
+              <a:rPr lang="ko-KR" altLang="en-US" dirty="0"/>
+              <a:t>검색어 입력 후 </a:t>
+            </a:r>
+          </a:p>
+        </p:txBody>
+      </p:sp>
+      <p:pic>
+        <p:nvPicPr>
+          <p:cNvPr id="14" name="내용 개체 틀 13">
+            <a:extLst>
+              <a:ext uri="{FF2B5EF4-FFF2-40B4-BE49-F238E27FC236}">
+                <a16:creationId xmlns:a16="http://schemas.microsoft.com/office/drawing/2014/main" id="{A4008F88-E05E-4004-A921-B389CC1BB4BC}"/>
+              </a:ext>
+            </a:extLst>
+          </p:cNvPr>
+          <p:cNvPicPr>
+            <a:picLocks noGrp="1" noChangeAspect="1"/>
+          </p:cNvPicPr>
+          <p:nvPr>
+            <p:ph idx="1"/>
+          </p:nvPr>
+        </p:nvPicPr>
+        <p:blipFill>
+          <a:blip r:embed="rId3">
+            <a:extLst>
+              <a:ext uri="{28A0092B-C50C-407E-A947-70E740481C1C}">
+                <a14:useLocalDpi xmlns:a14="http://schemas.microsoft.com/office/drawing/2010/main" val="0"/>
+              </a:ext>
+            </a:extLst>
+          </a:blip>
+          <a:stretch>
+            <a:fillRect/>
+          </a:stretch>
+        </p:blipFill>
+        <p:spPr>
+          <a:xfrm>
+            <a:off x="1446251" y="1760542"/>
+            <a:ext cx="6578938" cy="1162110"/>
+          </a:xfrm>
+        </p:spPr>
+      </p:pic>
+      <p:pic>
+        <p:nvPicPr>
+          <p:cNvPr id="16" name="그림 15" descr="텍스트이(가) 표시된 사진&#10;&#10;자동 생성된 설명">
+            <a:extLst>
+              <a:ext uri="{FF2B5EF4-FFF2-40B4-BE49-F238E27FC236}">
+                <a16:creationId xmlns:a16="http://schemas.microsoft.com/office/drawing/2014/main" id="{2960C0DC-E1CB-43E2-984D-3DA410EA5BD1}"/>
+              </a:ext>
+            </a:extLst>
+          </p:cNvPr>
+          <p:cNvPicPr>
+            <a:picLocks noChangeAspect="1"/>
+          </p:cNvPicPr>
+          <p:nvPr/>
+        </p:nvPicPr>
+        <p:blipFill>
+          <a:blip r:embed="rId4">
+            <a:extLst>
+              <a:ext uri="{28A0092B-C50C-407E-A947-70E740481C1C}">
+                <a14:useLocalDpi xmlns:a14="http://schemas.microsoft.com/office/drawing/2010/main" val="0"/>
+              </a:ext>
+            </a:extLst>
+          </a:blip>
+          <a:stretch>
+            <a:fillRect/>
+          </a:stretch>
+        </p:blipFill>
+        <p:spPr>
+          <a:xfrm>
+            <a:off x="3563676" y="2922652"/>
+            <a:ext cx="7903176" cy="3488748"/>
+          </a:xfrm>
+          <a:prstGeom prst="rect">
+            <a:avLst/>
+          </a:prstGeom>
+        </p:spPr>
+      </p:pic>
+    </p:spTree>
+    <p:extLst>
+      <p:ext uri="{BB962C8B-B14F-4D97-AF65-F5344CB8AC3E}">
+        <p14:creationId xmlns:p14="http://schemas.microsoft.com/office/powerpoint/2010/main" val="1955064409"/>
       </p:ext>
     </p:extLst>
   </p:cSld>

--- a/최종발표/최종발표 PPT_백엔드.pptx
+++ b/최종발표/최종발표 PPT_백엔드.pptx
@@ -5,20 +5,23 @@
     <p:sldMasterId id="2147483648" r:id="rId1"/>
   </p:sldMasterIdLst>
   <p:notesMasterIdLst>
-    <p:notesMasterId r:id="rId13"/>
+    <p:notesMasterId r:id="rId16"/>
   </p:notesMasterIdLst>
   <p:sldIdLst>
     <p:sldId id="257" r:id="rId2"/>
     <p:sldId id="258" r:id="rId3"/>
     <p:sldId id="259" r:id="rId4"/>
     <p:sldId id="264" r:id="rId5"/>
-    <p:sldId id="260" r:id="rId6"/>
-    <p:sldId id="261" r:id="rId7"/>
-    <p:sldId id="262" r:id="rId8"/>
-    <p:sldId id="263" r:id="rId9"/>
-    <p:sldId id="265" r:id="rId10"/>
-    <p:sldId id="266" r:id="rId11"/>
-    <p:sldId id="267" r:id="rId12"/>
+    <p:sldId id="269" r:id="rId6"/>
+    <p:sldId id="270" r:id="rId7"/>
+    <p:sldId id="260" r:id="rId8"/>
+    <p:sldId id="261" r:id="rId9"/>
+    <p:sldId id="262" r:id="rId10"/>
+    <p:sldId id="263" r:id="rId11"/>
+    <p:sldId id="271" r:id="rId12"/>
+    <p:sldId id="265" r:id="rId13"/>
+    <p:sldId id="266" r:id="rId14"/>
+    <p:sldId id="267" r:id="rId15"/>
   </p:sldIdLst>
   <p:sldSz cx="12192000" cy="6858000"/>
   <p:notesSz cx="6858000" cy="9144000"/>
@@ -207,7 +210,7 @@
           <a:p>
             <a:fld id="{D8C6FF69-C464-4C4B-86B4-13E8416C2B2A}" type="datetimeFigureOut">
               <a:rPr lang="ko-KR" altLang="en-US" smtClean="0"/>
-              <a:t>2021-11-27</a:t>
+              <a:t>2021-11-28</a:t>
             </a:fld>
             <a:endParaRPr lang="ko-KR" altLang="en-US"/>
           </a:p>
@@ -587,12 +590,12 @@
               <a:t>여기에 사용된 데이터베이스로는 </a:t>
             </a:r>
             <a:r>
-              <a:rPr lang="en-US" altLang="ko-KR" dirty="0"/>
-              <a:t>MySQL</a:t>
-            </a:r>
-            <a:r>
-              <a:rPr lang="ko-KR" altLang="en-US" dirty="0"/>
-              <a:t>을 사용한다</a:t>
+              <a:rPr lang="en-US" altLang="ko-KR" dirty="0" err="1"/>
+              <a:t>MairaDB</a:t>
+            </a:r>
+            <a:r>
+              <a:rPr lang="ko-KR" altLang="en-US" dirty="0"/>
+              <a:t>를 사용한다</a:t>
             </a:r>
             <a:r>
               <a:rPr lang="en-US" altLang="ko-KR" dirty="0"/>
@@ -684,6 +687,98 @@
           <a:p>
             <a:r>
               <a:rPr lang="ko-KR" altLang="en-US" dirty="0"/>
+              <a:t>기업이름을 클릭하면 상세 기업 정보를 볼 수 있다</a:t>
+            </a:r>
+            <a:r>
+              <a:rPr lang="en-US" altLang="ko-KR" dirty="0"/>
+              <a:t>.</a:t>
+            </a:r>
+            <a:endParaRPr lang="ko-KR" altLang="en-US" dirty="0"/>
+          </a:p>
+        </p:txBody>
+      </p:sp>
+      <p:sp>
+        <p:nvSpPr>
+          <p:cNvPr id="4" name="슬라이드 번호 개체 틀 3"/>
+          <p:cNvSpPr>
+            <a:spLocks noGrp="1"/>
+          </p:cNvSpPr>
+          <p:nvPr>
+            <p:ph type="sldNum" sz="quarter" idx="5"/>
+          </p:nvPr>
+        </p:nvSpPr>
+        <p:spPr/>
+        <p:txBody>
+          <a:bodyPr/>
+          <a:lstStyle/>
+          <a:p>
+            <a:fld id="{765F3F73-CD03-464C-BBFD-E8A0539B772C}" type="slidenum">
+              <a:rPr lang="ko-KR" altLang="en-US" smtClean="0"/>
+              <a:t>13</a:t>
+            </a:fld>
+            <a:endParaRPr lang="ko-KR" altLang="en-US"/>
+          </a:p>
+        </p:txBody>
+      </p:sp>
+    </p:spTree>
+    <p:extLst>
+      <p:ext uri="{BB962C8B-B14F-4D97-AF65-F5344CB8AC3E}">
+        <p14:creationId xmlns:p14="http://schemas.microsoft.com/office/powerpoint/2010/main" val="948595248"/>
+      </p:ext>
+    </p:extLst>
+  </p:cSld>
+  <p:clrMapOvr>
+    <a:masterClrMapping/>
+  </p:clrMapOvr>
+</p:notes>
+</file>
+
+<file path=ppt/notesSlides/notesSlide11.xml><?xml version="1.0" encoding="utf-8"?>
+<p:notes xmlns:a="http://schemas.openxmlformats.org/drawingml/2006/main" xmlns:r="http://schemas.openxmlformats.org/officeDocument/2006/relationships" xmlns:p="http://schemas.openxmlformats.org/presentationml/2006/main">
+  <p:cSld>
+    <p:spTree>
+      <p:nvGrpSpPr>
+        <p:cNvPr id="1" name=""/>
+        <p:cNvGrpSpPr/>
+        <p:nvPr/>
+      </p:nvGrpSpPr>
+      <p:grpSpPr>
+        <a:xfrm>
+          <a:off x="0" y="0"/>
+          <a:ext cx="0" cy="0"/>
+          <a:chOff x="0" y="0"/>
+          <a:chExt cx="0" cy="0"/>
+        </a:xfrm>
+      </p:grpSpPr>
+      <p:sp>
+        <p:nvSpPr>
+          <p:cNvPr id="2" name="슬라이드 이미지 개체 틀 1"/>
+          <p:cNvSpPr>
+            <a:spLocks noGrp="1" noRot="1" noChangeAspect="1"/>
+          </p:cNvSpPr>
+          <p:nvPr>
+            <p:ph type="sldImg"/>
+          </p:nvPr>
+        </p:nvSpPr>
+        <p:spPr/>
+      </p:sp>
+      <p:sp>
+        <p:nvSpPr>
+          <p:cNvPr id="3" name="슬라이드 노트 개체 틀 2"/>
+          <p:cNvSpPr>
+            <a:spLocks noGrp="1"/>
+          </p:cNvSpPr>
+          <p:nvPr>
+            <p:ph type="body" idx="1"/>
+          </p:nvPr>
+        </p:nvSpPr>
+        <p:spPr/>
+        <p:txBody>
+          <a:bodyPr/>
+          <a:lstStyle/>
+          <a:p>
+            <a:r>
+              <a:rPr lang="ko-KR" altLang="en-US" dirty="0"/>
               <a:t>관심기업을 등록하고 </a:t>
             </a:r>
             <a:r>
@@ -737,7 +832,7 @@
           <a:p>
             <a:fld id="{765F3F73-CD03-464C-BBFD-E8A0539B772C}" type="slidenum">
               <a:rPr lang="ko-KR" altLang="en-US" smtClean="0"/>
-              <a:t>11</a:t>
+              <a:t>14</a:t>
             </a:fld>
             <a:endParaRPr lang="ko-KR" altLang="en-US"/>
           </a:p>
@@ -1001,19 +1096,12 @@
           <a:lstStyle/>
           <a:p>
             <a:r>
-              <a:rPr lang="en-US" altLang="ko-KR" dirty="0"/>
-              <a:t>*</a:t>
-            </a:r>
-            <a:r>
-              <a:rPr lang="ko-KR" altLang="en-US" dirty="0"/>
-              <a:t>추후 이메일 인증 및 인증번호 체크 커맨드가 추가되면 변경 예정</a:t>
-            </a:r>
-            <a:endParaRPr lang="en-US" altLang="ko-KR" dirty="0"/>
-          </a:p>
-          <a:p>
-            <a:r>
-              <a:rPr lang="ko-KR" altLang="en-US" dirty="0"/>
-              <a:t>일반적인 프론트 컨트롤러 구조</a:t>
+              <a:rPr lang="ko-KR" altLang="en-US"/>
+              <a:t>일반적인 </a:t>
+            </a:r>
+            <a:r>
+              <a:rPr lang="ko-KR" altLang="en-US" dirty="0"/>
+              <a:t>프론트 컨트롤러 구조</a:t>
             </a:r>
             <a:endParaRPr lang="en-US" altLang="ko-KR" dirty="0"/>
           </a:p>
@@ -1282,7 +1370,7 @@
           <a:p>
             <a:fld id="{765F3F73-CD03-464C-BBFD-E8A0539B772C}" type="slidenum">
               <a:rPr lang="ko-KR" altLang="en-US" smtClean="0"/>
-              <a:t>5</a:t>
+              <a:t>7</a:t>
             </a:fld>
             <a:endParaRPr lang="ko-KR" altLang="en-US"/>
           </a:p>
@@ -1494,7 +1582,7 @@
           <a:p>
             <a:fld id="{765F3F73-CD03-464C-BBFD-E8A0539B772C}" type="slidenum">
               <a:rPr lang="ko-KR" altLang="en-US" smtClean="0"/>
-              <a:t>6</a:t>
+              <a:t>8</a:t>
             </a:fld>
             <a:endParaRPr lang="ko-KR" altLang="en-US"/>
           </a:p>
@@ -1581,7 +1669,7 @@
           <a:p>
             <a:fld id="{765F3F73-CD03-464C-BBFD-E8A0539B772C}" type="slidenum">
               <a:rPr lang="ko-KR" altLang="en-US" smtClean="0"/>
-              <a:t>7</a:t>
+              <a:t>9</a:t>
             </a:fld>
             <a:endParaRPr lang="ko-KR" altLang="en-US"/>
           </a:p>
@@ -1772,7 +1860,7 @@
           <a:p>
             <a:fld id="{765F3F73-CD03-464C-BBFD-E8A0539B772C}" type="slidenum">
               <a:rPr lang="ko-KR" altLang="en-US" smtClean="0"/>
-              <a:t>8</a:t>
+              <a:t>10</a:t>
             </a:fld>
             <a:endParaRPr lang="ko-KR" altLang="en-US"/>
           </a:p>
@@ -1835,26 +1923,7 @@
           <a:bodyPr/>
           <a:lstStyle/>
           <a:p>
-            <a:r>
-              <a:rPr lang="ko-KR" altLang="en-US" dirty="0"/>
-              <a:t>인덱스 페이지의 검색바에 검색어 입력 후 검색 버튼</a:t>
-            </a:r>
-            <a:r>
-              <a:rPr lang="en-US" altLang="ko-KR" dirty="0"/>
-              <a:t>(</a:t>
-            </a:r>
-            <a:r>
-              <a:rPr lang="ko-KR" altLang="en-US" dirty="0"/>
-              <a:t>돋보기 모양</a:t>
-            </a:r>
-            <a:r>
-              <a:rPr lang="en-US" altLang="ko-KR" dirty="0"/>
-              <a:t>)</a:t>
-            </a:r>
-            <a:r>
-              <a:rPr lang="ko-KR" altLang="en-US" dirty="0"/>
-              <a:t>을 누르면 통합 검색 페이지로 이동</a:t>
-            </a:r>
+            <a:endParaRPr lang="ko-KR" altLang="en-US" dirty="0"/>
           </a:p>
         </p:txBody>
       </p:sp>
@@ -1875,7 +1944,7 @@
           <a:p>
             <a:fld id="{765F3F73-CD03-464C-BBFD-E8A0539B772C}" type="slidenum">
               <a:rPr lang="ko-KR" altLang="en-US" smtClean="0"/>
-              <a:t>9</a:t>
+              <a:t>11</a:t>
             </a:fld>
             <a:endParaRPr lang="ko-KR" altLang="en-US"/>
           </a:p>
@@ -1884,7 +1953,7 @@
     </p:spTree>
     <p:extLst>
       <p:ext uri="{BB962C8B-B14F-4D97-AF65-F5344CB8AC3E}">
-        <p14:creationId xmlns:p14="http://schemas.microsoft.com/office/powerpoint/2010/main" val="2763051460"/>
+        <p14:creationId xmlns:p14="http://schemas.microsoft.com/office/powerpoint/2010/main" val="2153023679"/>
       </p:ext>
     </p:extLst>
   </p:cSld>
@@ -1940,13 +2009,24 @@
           <a:p>
             <a:r>
               <a:rPr lang="ko-KR" altLang="en-US" dirty="0"/>
-              <a:t>기업이름을 클릭하면 상세 기업 정보를 볼 수 있다</a:t>
+              <a:t>인덱스 페이지의 검색바에 검색어 입력 후 검색 버튼</a:t>
             </a:r>
             <a:r>
               <a:rPr lang="en-US" altLang="ko-KR" dirty="0"/>
-              <a:t>.</a:t>
-            </a:r>
-            <a:endParaRPr lang="ko-KR" altLang="en-US" dirty="0"/>
+              <a:t>(</a:t>
+            </a:r>
+            <a:r>
+              <a:rPr lang="ko-KR" altLang="en-US" dirty="0"/>
+              <a:t>돋보기 모양</a:t>
+            </a:r>
+            <a:r>
+              <a:rPr lang="en-US" altLang="ko-KR" dirty="0"/>
+              <a:t>)</a:t>
+            </a:r>
+            <a:r>
+              <a:rPr lang="ko-KR" altLang="en-US" dirty="0"/>
+              <a:t>을 누르면 통합 검색 페이지로 이동</a:t>
+            </a:r>
           </a:p>
         </p:txBody>
       </p:sp>
@@ -1967,7 +2047,7 @@
           <a:p>
             <a:fld id="{765F3F73-CD03-464C-BBFD-E8A0539B772C}" type="slidenum">
               <a:rPr lang="ko-KR" altLang="en-US" smtClean="0"/>
-              <a:t>10</a:t>
+              <a:t>12</a:t>
             </a:fld>
             <a:endParaRPr lang="ko-KR" altLang="en-US"/>
           </a:p>
@@ -1976,7 +2056,7 @@
     </p:spTree>
     <p:extLst>
       <p:ext uri="{BB962C8B-B14F-4D97-AF65-F5344CB8AC3E}">
-        <p14:creationId xmlns:p14="http://schemas.microsoft.com/office/powerpoint/2010/main" val="948595248"/>
+        <p14:creationId xmlns:p14="http://schemas.microsoft.com/office/powerpoint/2010/main" val="2763051460"/>
       </p:ext>
     </p:extLst>
   </p:cSld>
@@ -2133,7 +2213,7 @@
           <a:p>
             <a:fld id="{6FFC9F1F-6A18-48E1-AB20-87F6721E4D74}" type="datetimeFigureOut">
               <a:rPr lang="ko-KR" altLang="en-US" smtClean="0"/>
-              <a:t>2021-11-27</a:t>
+              <a:t>2021-11-28</a:t>
             </a:fld>
             <a:endParaRPr lang="ko-KR" altLang="en-US"/>
           </a:p>
@@ -2331,7 +2411,7 @@
           <a:p>
             <a:fld id="{6FFC9F1F-6A18-48E1-AB20-87F6721E4D74}" type="datetimeFigureOut">
               <a:rPr lang="ko-KR" altLang="en-US" smtClean="0"/>
-              <a:t>2021-11-27</a:t>
+              <a:t>2021-11-28</a:t>
             </a:fld>
             <a:endParaRPr lang="ko-KR" altLang="en-US"/>
           </a:p>
@@ -2539,7 +2619,7 @@
           <a:p>
             <a:fld id="{6FFC9F1F-6A18-48E1-AB20-87F6721E4D74}" type="datetimeFigureOut">
               <a:rPr lang="ko-KR" altLang="en-US" smtClean="0"/>
-              <a:t>2021-11-27</a:t>
+              <a:t>2021-11-28</a:t>
             </a:fld>
             <a:endParaRPr lang="ko-KR" altLang="en-US"/>
           </a:p>
@@ -2737,7 +2817,7 @@
           <a:p>
             <a:fld id="{6FFC9F1F-6A18-48E1-AB20-87F6721E4D74}" type="datetimeFigureOut">
               <a:rPr lang="ko-KR" altLang="en-US" smtClean="0"/>
-              <a:t>2021-11-27</a:t>
+              <a:t>2021-11-28</a:t>
             </a:fld>
             <a:endParaRPr lang="ko-KR" altLang="en-US"/>
           </a:p>
@@ -3012,7 +3092,7 @@
           <a:p>
             <a:fld id="{6FFC9F1F-6A18-48E1-AB20-87F6721E4D74}" type="datetimeFigureOut">
               <a:rPr lang="ko-KR" altLang="en-US" smtClean="0"/>
-              <a:t>2021-11-27</a:t>
+              <a:t>2021-11-28</a:t>
             </a:fld>
             <a:endParaRPr lang="ko-KR" altLang="en-US"/>
           </a:p>
@@ -3277,7 +3357,7 @@
           <a:p>
             <a:fld id="{6FFC9F1F-6A18-48E1-AB20-87F6721E4D74}" type="datetimeFigureOut">
               <a:rPr lang="ko-KR" altLang="en-US" smtClean="0"/>
-              <a:t>2021-11-27</a:t>
+              <a:t>2021-11-28</a:t>
             </a:fld>
             <a:endParaRPr lang="ko-KR" altLang="en-US"/>
           </a:p>
@@ -3689,7 +3769,7 @@
           <a:p>
             <a:fld id="{6FFC9F1F-6A18-48E1-AB20-87F6721E4D74}" type="datetimeFigureOut">
               <a:rPr lang="ko-KR" altLang="en-US" smtClean="0"/>
-              <a:t>2021-11-27</a:t>
+              <a:t>2021-11-28</a:t>
             </a:fld>
             <a:endParaRPr lang="ko-KR" altLang="en-US"/>
           </a:p>
@@ -3830,7 +3910,7 @@
           <a:p>
             <a:fld id="{6FFC9F1F-6A18-48E1-AB20-87F6721E4D74}" type="datetimeFigureOut">
               <a:rPr lang="ko-KR" altLang="en-US" smtClean="0"/>
-              <a:t>2021-11-27</a:t>
+              <a:t>2021-11-28</a:t>
             </a:fld>
             <a:endParaRPr lang="ko-KR" altLang="en-US"/>
           </a:p>
@@ -3943,7 +4023,7 @@
           <a:p>
             <a:fld id="{6FFC9F1F-6A18-48E1-AB20-87F6721E4D74}" type="datetimeFigureOut">
               <a:rPr lang="ko-KR" altLang="en-US" smtClean="0"/>
-              <a:t>2021-11-27</a:t>
+              <a:t>2021-11-28</a:t>
             </a:fld>
             <a:endParaRPr lang="ko-KR" altLang="en-US"/>
           </a:p>
@@ -4254,7 +4334,7 @@
           <a:p>
             <a:fld id="{6FFC9F1F-6A18-48E1-AB20-87F6721E4D74}" type="datetimeFigureOut">
               <a:rPr lang="ko-KR" altLang="en-US" smtClean="0"/>
-              <a:t>2021-11-27</a:t>
+              <a:t>2021-11-28</a:t>
             </a:fld>
             <a:endParaRPr lang="ko-KR" altLang="en-US"/>
           </a:p>
@@ -4542,7 +4622,7 @@
           <a:p>
             <a:fld id="{6FFC9F1F-6A18-48E1-AB20-87F6721E4D74}" type="datetimeFigureOut">
               <a:rPr lang="ko-KR" altLang="en-US" smtClean="0"/>
-              <a:t>2021-11-27</a:t>
+              <a:t>2021-11-28</a:t>
             </a:fld>
             <a:endParaRPr lang="ko-KR" altLang="en-US"/>
           </a:p>
@@ -4783,7 +4863,7 @@
           <a:p>
             <a:fld id="{6FFC9F1F-6A18-48E1-AB20-87F6721E4D74}" type="datetimeFigureOut">
               <a:rPr lang="ko-KR" altLang="en-US" smtClean="0"/>
-              <a:t>2021-11-27</a:t>
+              <a:t>2021-11-28</a:t>
             </a:fld>
             <a:endParaRPr lang="ko-KR" altLang="en-US"/>
           </a:p>
@@ -5265,10 +5345,10 @@
       </p:pic>
       <p:pic>
         <p:nvPicPr>
-          <p:cNvPr id="9" name="그림 8">
-            <a:extLst>
-              <a:ext uri="{FF2B5EF4-FFF2-40B4-BE49-F238E27FC236}">
-                <a16:creationId xmlns:a16="http://schemas.microsoft.com/office/drawing/2014/main" id="{2189810C-4705-4A2C-A3AA-B2F3D78C15BB}"/>
+          <p:cNvPr id="7" name="그림 6">
+            <a:extLst>
+              <a:ext uri="{FF2B5EF4-FFF2-40B4-BE49-F238E27FC236}">
+                <a16:creationId xmlns:a16="http://schemas.microsoft.com/office/drawing/2014/main" id="{760C0D94-871B-4BEA-85DC-19330EEE08B6}"/>
               </a:ext>
             </a:extLst>
           </p:cNvPr>
@@ -5279,42 +5359,6 @@
         </p:nvPicPr>
         <p:blipFill>
           <a:blip r:embed="rId4">
-            <a:extLst>
-              <a:ext uri="{28A0092B-C50C-407E-A947-70E740481C1C}">
-                <a14:useLocalDpi xmlns:a14="http://schemas.microsoft.com/office/drawing/2010/main" val="0"/>
-              </a:ext>
-            </a:extLst>
-          </a:blip>
-          <a:stretch>
-            <a:fillRect/>
-          </a:stretch>
-        </p:blipFill>
-        <p:spPr>
-          <a:xfrm>
-            <a:off x="9068384" y="4351430"/>
-            <a:ext cx="1676400" cy="1133475"/>
-          </a:xfrm>
-          <a:prstGeom prst="rect">
-            <a:avLst/>
-          </a:prstGeom>
-        </p:spPr>
-      </p:pic>
-      <p:pic>
-        <p:nvPicPr>
-          <p:cNvPr id="7" name="그림 6">
-            <a:extLst>
-              <a:ext uri="{FF2B5EF4-FFF2-40B4-BE49-F238E27FC236}">
-                <a16:creationId xmlns:a16="http://schemas.microsoft.com/office/drawing/2014/main" id="{760C0D94-871B-4BEA-85DC-19330EEE08B6}"/>
-              </a:ext>
-            </a:extLst>
-          </p:cNvPr>
-          <p:cNvPicPr>
-            <a:picLocks noChangeAspect="1"/>
-          </p:cNvPicPr>
-          <p:nvPr/>
-        </p:nvPicPr>
-        <p:blipFill>
-          <a:blip r:embed="rId5">
             <a:extLst>
               <a:ext uri="{28A0092B-C50C-407E-A947-70E740481C1C}">
                 <a14:useLocalDpi xmlns:a14="http://schemas.microsoft.com/office/drawing/2010/main" val="0"/>
@@ -5329,6 +5373,42 @@
           <a:xfrm>
             <a:off x="5049520" y="4743648"/>
             <a:ext cx="2092960" cy="1482513"/>
+          </a:xfrm>
+          <a:prstGeom prst="rect">
+            <a:avLst/>
+          </a:prstGeom>
+        </p:spPr>
+      </p:pic>
+      <p:pic>
+        <p:nvPicPr>
+          <p:cNvPr id="4" name="그림 3">
+            <a:extLst>
+              <a:ext uri="{FF2B5EF4-FFF2-40B4-BE49-F238E27FC236}">
+                <a16:creationId xmlns:a16="http://schemas.microsoft.com/office/drawing/2014/main" id="{15C605FE-6276-4858-B04E-53F50EF73FF9}"/>
+              </a:ext>
+            </a:extLst>
+          </p:cNvPr>
+          <p:cNvPicPr>
+            <a:picLocks noChangeAspect="1"/>
+          </p:cNvPicPr>
+          <p:nvPr/>
+        </p:nvPicPr>
+        <p:blipFill>
+          <a:blip r:embed="rId5">
+            <a:extLst>
+              <a:ext uri="{28A0092B-C50C-407E-A947-70E740481C1C}">
+                <a14:useLocalDpi xmlns:a14="http://schemas.microsoft.com/office/drawing/2010/main" val="0"/>
+              </a:ext>
+            </a:extLst>
+          </a:blip>
+          <a:stretch>
+            <a:fillRect/>
+          </a:stretch>
+        </p:blipFill>
+        <p:spPr>
+          <a:xfrm>
+            <a:off x="9050322" y="4285749"/>
+            <a:ext cx="1787724" cy="1614538"/>
           </a:xfrm>
           <a:prstGeom prst="rect">
             <a:avLst/>
@@ -5370,6 +5450,404 @@
           <p:cNvPr id="2" name="제목 1">
             <a:extLst>
               <a:ext uri="{FF2B5EF4-FFF2-40B4-BE49-F238E27FC236}">
+                <a16:creationId xmlns:a16="http://schemas.microsoft.com/office/drawing/2014/main" id="{419DA412-2D28-4387-9D1F-DCB089124147}"/>
+              </a:ext>
+            </a:extLst>
+          </p:cNvPr>
+          <p:cNvSpPr>
+            <a:spLocks noGrp="1"/>
+          </p:cNvSpPr>
+          <p:nvPr>
+            <p:ph type="title"/>
+          </p:nvPr>
+        </p:nvSpPr>
+        <p:spPr/>
+        <p:txBody>
+          <a:bodyPr/>
+          <a:lstStyle/>
+          <a:p>
+            <a:r>
+              <a:rPr lang="ko-KR" altLang="en-US" dirty="0"/>
+              <a:t>마이페이지 클래스 다이어그램</a:t>
+            </a:r>
+          </a:p>
+        </p:txBody>
+      </p:sp>
+      <p:pic>
+        <p:nvPicPr>
+          <p:cNvPr id="6" name="내용 개체 틀 5">
+            <a:extLst>
+              <a:ext uri="{FF2B5EF4-FFF2-40B4-BE49-F238E27FC236}">
+                <a16:creationId xmlns:a16="http://schemas.microsoft.com/office/drawing/2014/main" id="{7DC531FF-4A23-4EB2-96C2-6819F2A3CE65}"/>
+              </a:ext>
+            </a:extLst>
+          </p:cNvPr>
+          <p:cNvPicPr>
+            <a:picLocks noGrp="1" noChangeAspect="1"/>
+          </p:cNvPicPr>
+          <p:nvPr>
+            <p:ph idx="1"/>
+          </p:nvPr>
+        </p:nvPicPr>
+        <p:blipFill>
+          <a:blip r:embed="rId3">
+            <a:extLst>
+              <a:ext uri="{28A0092B-C50C-407E-A947-70E740481C1C}">
+                <a14:useLocalDpi xmlns:a14="http://schemas.microsoft.com/office/drawing/2010/main" val="0"/>
+              </a:ext>
+            </a:extLst>
+          </a:blip>
+          <a:stretch>
+            <a:fillRect/>
+          </a:stretch>
+        </p:blipFill>
+        <p:spPr>
+          <a:xfrm>
+            <a:off x="2796254" y="1620788"/>
+            <a:ext cx="6599491" cy="5237212"/>
+          </a:xfrm>
+        </p:spPr>
+      </p:pic>
+    </p:spTree>
+    <p:extLst>
+      <p:ext uri="{BB962C8B-B14F-4D97-AF65-F5344CB8AC3E}">
+        <p14:creationId xmlns:p14="http://schemas.microsoft.com/office/powerpoint/2010/main" val="684300482"/>
+      </p:ext>
+    </p:extLst>
+  </p:cSld>
+  <p:clrMapOvr>
+    <a:masterClrMapping/>
+  </p:clrMapOvr>
+</p:sld>
+</file>
+
+<file path=ppt/slides/slide11.xml><?xml version="1.0" encoding="utf-8"?>
+<p:sld xmlns:a="http://schemas.openxmlformats.org/drawingml/2006/main" xmlns:r="http://schemas.openxmlformats.org/officeDocument/2006/relationships" xmlns:p="http://schemas.openxmlformats.org/presentationml/2006/main">
+  <p:cSld>
+    <p:spTree>
+      <p:nvGrpSpPr>
+        <p:cNvPr id="1" name=""/>
+        <p:cNvGrpSpPr/>
+        <p:nvPr/>
+      </p:nvGrpSpPr>
+      <p:grpSpPr>
+        <a:xfrm>
+          <a:off x="0" y="0"/>
+          <a:ext cx="0" cy="0"/>
+          <a:chOff x="0" y="0"/>
+          <a:chExt cx="0" cy="0"/>
+        </a:xfrm>
+      </p:grpSpPr>
+      <p:sp>
+        <p:nvSpPr>
+          <p:cNvPr id="2" name="제목 1">
+            <a:extLst>
+              <a:ext uri="{FF2B5EF4-FFF2-40B4-BE49-F238E27FC236}">
+                <a16:creationId xmlns:a16="http://schemas.microsoft.com/office/drawing/2014/main" id="{2844AD57-5752-4A39-8106-3392B249449C}"/>
+              </a:ext>
+            </a:extLst>
+          </p:cNvPr>
+          <p:cNvSpPr>
+            <a:spLocks noGrp="1"/>
+          </p:cNvSpPr>
+          <p:nvPr>
+            <p:ph type="title"/>
+          </p:nvPr>
+        </p:nvSpPr>
+        <p:spPr/>
+        <p:txBody>
+          <a:bodyPr/>
+          <a:lstStyle/>
+          <a:p>
+            <a:r>
+              <a:rPr lang="ko-KR" altLang="en-US" dirty="0"/>
+              <a:t>최근 검색 기업 관련 프로시저</a:t>
+            </a:r>
+          </a:p>
+        </p:txBody>
+      </p:sp>
+      <p:pic>
+        <p:nvPicPr>
+          <p:cNvPr id="5" name="내용 개체 틀 4" descr="텍스트이(가) 표시된 사진&#10;&#10;자동 생성된 설명">
+            <a:extLst>
+              <a:ext uri="{FF2B5EF4-FFF2-40B4-BE49-F238E27FC236}">
+                <a16:creationId xmlns:a16="http://schemas.microsoft.com/office/drawing/2014/main" id="{037D75EA-4D08-4E96-82AC-8B43B91548E5}"/>
+              </a:ext>
+            </a:extLst>
+          </p:cNvPr>
+          <p:cNvPicPr>
+            <a:picLocks noGrp="1" noChangeAspect="1"/>
+          </p:cNvPicPr>
+          <p:nvPr>
+            <p:ph idx="1"/>
+          </p:nvPr>
+        </p:nvPicPr>
+        <p:blipFill>
+          <a:blip r:embed="rId3">
+            <a:extLst>
+              <a:ext uri="{28A0092B-C50C-407E-A947-70E740481C1C}">
+                <a14:useLocalDpi xmlns:a14="http://schemas.microsoft.com/office/drawing/2010/main" val="0"/>
+              </a:ext>
+            </a:extLst>
+          </a:blip>
+          <a:stretch>
+            <a:fillRect/>
+          </a:stretch>
+        </p:blipFill>
+        <p:spPr>
+          <a:xfrm>
+            <a:off x="1803220" y="1825625"/>
+            <a:ext cx="8585559" cy="4351338"/>
+          </a:xfrm>
+        </p:spPr>
+      </p:pic>
+    </p:spTree>
+    <p:extLst>
+      <p:ext uri="{BB962C8B-B14F-4D97-AF65-F5344CB8AC3E}">
+        <p14:creationId xmlns:p14="http://schemas.microsoft.com/office/powerpoint/2010/main" val="191388764"/>
+      </p:ext>
+    </p:extLst>
+  </p:cSld>
+  <p:clrMapOvr>
+    <a:masterClrMapping/>
+  </p:clrMapOvr>
+</p:sld>
+</file>
+
+<file path=ppt/slides/slide12.xml><?xml version="1.0" encoding="utf-8"?>
+<p:sld xmlns:a="http://schemas.openxmlformats.org/drawingml/2006/main" xmlns:r="http://schemas.openxmlformats.org/officeDocument/2006/relationships" xmlns:p="http://schemas.openxmlformats.org/presentationml/2006/main">
+  <p:cSld>
+    <p:spTree>
+      <p:nvGrpSpPr>
+        <p:cNvPr id="1" name=""/>
+        <p:cNvGrpSpPr/>
+        <p:nvPr/>
+      </p:nvGrpSpPr>
+      <p:grpSpPr>
+        <a:xfrm>
+          <a:off x="0" y="0"/>
+          <a:ext cx="0" cy="0"/>
+          <a:chOff x="0" y="0"/>
+          <a:chExt cx="0" cy="0"/>
+        </a:xfrm>
+      </p:grpSpPr>
+      <p:sp>
+        <p:nvSpPr>
+          <p:cNvPr id="2" name="제목 1">
+            <a:extLst>
+              <a:ext uri="{FF2B5EF4-FFF2-40B4-BE49-F238E27FC236}">
+                <a16:creationId xmlns:a16="http://schemas.microsoft.com/office/drawing/2014/main" id="{AC558561-31B1-4C82-9777-E0BB4F4C2DA4}"/>
+              </a:ext>
+            </a:extLst>
+          </p:cNvPr>
+          <p:cNvSpPr>
+            <a:spLocks noGrp="1"/>
+          </p:cNvSpPr>
+          <p:nvPr>
+            <p:ph type="title"/>
+          </p:nvPr>
+        </p:nvSpPr>
+        <p:spPr/>
+        <p:txBody>
+          <a:bodyPr/>
+          <a:lstStyle/>
+          <a:p>
+            <a:r>
+              <a:rPr lang="ko-KR" altLang="en-US" dirty="0"/>
+              <a:t>웹 시연</a:t>
+            </a:r>
+          </a:p>
+        </p:txBody>
+      </p:sp>
+      <p:cxnSp>
+        <p:nvCxnSpPr>
+          <p:cNvPr id="9" name="연결선: 꺾임 8">
+            <a:extLst>
+              <a:ext uri="{FF2B5EF4-FFF2-40B4-BE49-F238E27FC236}">
+                <a16:creationId xmlns:a16="http://schemas.microsoft.com/office/drawing/2014/main" id="{20EEE6DE-C8B1-43DB-A9B0-26F8AF3114F0}"/>
+              </a:ext>
+            </a:extLst>
+          </p:cNvPr>
+          <p:cNvCxnSpPr>
+            <a:cxnSpLocks/>
+          </p:cNvCxnSpPr>
+          <p:nvPr/>
+        </p:nvCxnSpPr>
+        <p:spPr>
+          <a:xfrm>
+            <a:off x="7880155" y="2248746"/>
+            <a:ext cx="290067" cy="650908"/>
+          </a:xfrm>
+          <a:prstGeom prst="bentConnector2">
+            <a:avLst/>
+          </a:prstGeom>
+          <a:ln w="76200">
+            <a:tailEnd type="triangle"/>
+          </a:ln>
+        </p:spPr>
+        <p:style>
+          <a:lnRef idx="1">
+            <a:schemeClr val="accent1"/>
+          </a:lnRef>
+          <a:fillRef idx="0">
+            <a:schemeClr val="accent1"/>
+          </a:fillRef>
+          <a:effectRef idx="0">
+            <a:schemeClr val="accent1"/>
+          </a:effectRef>
+          <a:fontRef idx="minor">
+            <a:schemeClr val="tx1"/>
+          </a:fontRef>
+        </p:style>
+      </p:cxnSp>
+      <p:sp>
+        <p:nvSpPr>
+          <p:cNvPr id="10" name="TextBox 9">
+            <a:extLst>
+              <a:ext uri="{FF2B5EF4-FFF2-40B4-BE49-F238E27FC236}">
+                <a16:creationId xmlns:a16="http://schemas.microsoft.com/office/drawing/2014/main" id="{6F14A23F-A84C-49D5-9A13-578DFC9CB416}"/>
+              </a:ext>
+            </a:extLst>
+          </p:cNvPr>
+          <p:cNvSpPr txBox="1"/>
+          <p:nvPr/>
+        </p:nvSpPr>
+        <p:spPr>
+          <a:xfrm>
+            <a:off x="8417772" y="2101932"/>
+            <a:ext cx="2656496" cy="646331"/>
+          </a:xfrm>
+          <a:prstGeom prst="rect">
+            <a:avLst/>
+          </a:prstGeom>
+          <a:noFill/>
+        </p:spPr>
+        <p:txBody>
+          <a:bodyPr wrap="none" rtlCol="0">
+            <a:spAutoFit/>
+          </a:bodyPr>
+          <a:lstStyle/>
+          <a:p>
+            <a:r>
+              <a:rPr lang="ko-KR" altLang="en-US" dirty="0"/>
+              <a:t>인덱스 페이지 검색바에</a:t>
+            </a:r>
+            <a:endParaRPr lang="en-US" altLang="ko-KR" dirty="0"/>
+          </a:p>
+          <a:p>
+            <a:r>
+              <a:rPr lang="ko-KR" altLang="en-US" dirty="0"/>
+              <a:t>검색어 입력 후 </a:t>
+            </a:r>
+          </a:p>
+        </p:txBody>
+      </p:sp>
+      <p:pic>
+        <p:nvPicPr>
+          <p:cNvPr id="14" name="내용 개체 틀 13">
+            <a:extLst>
+              <a:ext uri="{FF2B5EF4-FFF2-40B4-BE49-F238E27FC236}">
+                <a16:creationId xmlns:a16="http://schemas.microsoft.com/office/drawing/2014/main" id="{A4008F88-E05E-4004-A921-B389CC1BB4BC}"/>
+              </a:ext>
+            </a:extLst>
+          </p:cNvPr>
+          <p:cNvPicPr>
+            <a:picLocks noGrp="1" noChangeAspect="1"/>
+          </p:cNvPicPr>
+          <p:nvPr>
+            <p:ph idx="1"/>
+          </p:nvPr>
+        </p:nvPicPr>
+        <p:blipFill>
+          <a:blip r:embed="rId3">
+            <a:extLst>
+              <a:ext uri="{28A0092B-C50C-407E-A947-70E740481C1C}">
+                <a14:useLocalDpi xmlns:a14="http://schemas.microsoft.com/office/drawing/2010/main" val="0"/>
+              </a:ext>
+            </a:extLst>
+          </a:blip>
+          <a:stretch>
+            <a:fillRect/>
+          </a:stretch>
+        </p:blipFill>
+        <p:spPr>
+          <a:xfrm>
+            <a:off x="1446251" y="1760542"/>
+            <a:ext cx="6578938" cy="1162110"/>
+          </a:xfrm>
+        </p:spPr>
+      </p:pic>
+      <p:pic>
+        <p:nvPicPr>
+          <p:cNvPr id="16" name="그림 15" descr="텍스트이(가) 표시된 사진&#10;&#10;자동 생성된 설명">
+            <a:extLst>
+              <a:ext uri="{FF2B5EF4-FFF2-40B4-BE49-F238E27FC236}">
+                <a16:creationId xmlns:a16="http://schemas.microsoft.com/office/drawing/2014/main" id="{2960C0DC-E1CB-43E2-984D-3DA410EA5BD1}"/>
+              </a:ext>
+            </a:extLst>
+          </p:cNvPr>
+          <p:cNvPicPr>
+            <a:picLocks noChangeAspect="1"/>
+          </p:cNvPicPr>
+          <p:nvPr/>
+        </p:nvPicPr>
+        <p:blipFill>
+          <a:blip r:embed="rId4">
+            <a:extLst>
+              <a:ext uri="{28A0092B-C50C-407E-A947-70E740481C1C}">
+                <a14:useLocalDpi xmlns:a14="http://schemas.microsoft.com/office/drawing/2010/main" val="0"/>
+              </a:ext>
+            </a:extLst>
+          </a:blip>
+          <a:stretch>
+            <a:fillRect/>
+          </a:stretch>
+        </p:blipFill>
+        <p:spPr>
+          <a:xfrm>
+            <a:off x="3563676" y="2922652"/>
+            <a:ext cx="7903176" cy="3488748"/>
+          </a:xfrm>
+          <a:prstGeom prst="rect">
+            <a:avLst/>
+          </a:prstGeom>
+        </p:spPr>
+      </p:pic>
+    </p:spTree>
+    <p:extLst>
+      <p:ext uri="{BB962C8B-B14F-4D97-AF65-F5344CB8AC3E}">
+        <p14:creationId xmlns:p14="http://schemas.microsoft.com/office/powerpoint/2010/main" val="1955064409"/>
+      </p:ext>
+    </p:extLst>
+  </p:cSld>
+  <p:clrMapOvr>
+    <a:masterClrMapping/>
+  </p:clrMapOvr>
+</p:sld>
+</file>
+
+<file path=ppt/slides/slide13.xml><?xml version="1.0" encoding="utf-8"?>
+<p:sld xmlns:a="http://schemas.openxmlformats.org/drawingml/2006/main" xmlns:r="http://schemas.openxmlformats.org/officeDocument/2006/relationships" xmlns:p="http://schemas.openxmlformats.org/presentationml/2006/main">
+  <p:cSld>
+    <p:spTree>
+      <p:nvGrpSpPr>
+        <p:cNvPr id="1" name=""/>
+        <p:cNvGrpSpPr/>
+        <p:nvPr/>
+      </p:nvGrpSpPr>
+      <p:grpSpPr>
+        <a:xfrm>
+          <a:off x="0" y="0"/>
+          <a:ext cx="0" cy="0"/>
+          <a:chOff x="0" y="0"/>
+          <a:chExt cx="0" cy="0"/>
+        </a:xfrm>
+      </p:grpSpPr>
+      <p:sp>
+        <p:nvSpPr>
+          <p:cNvPr id="2" name="제목 1">
+            <a:extLst>
+              <a:ext uri="{FF2B5EF4-FFF2-40B4-BE49-F238E27FC236}">
                 <a16:creationId xmlns:a16="http://schemas.microsoft.com/office/drawing/2014/main" id="{8D6CA387-0466-49EA-A21D-7C2B07A4A233}"/>
               </a:ext>
             </a:extLst>
@@ -5477,7 +5955,7 @@
 </p:sld>
 </file>
 
-<file path=ppt/slides/slide11.xml><?xml version="1.0" encoding="utf-8"?>
+<file path=ppt/slides/slide14.xml><?xml version="1.0" encoding="utf-8"?>
 <p:sld xmlns:a="http://schemas.openxmlformats.org/drawingml/2006/main" xmlns:r="http://schemas.openxmlformats.org/officeDocument/2006/relationships" xmlns:p="http://schemas.openxmlformats.org/presentationml/2006/main">
   <p:cSld>
     <p:spTree>
@@ -5782,10 +6260,10 @@
       </p:sp>
       <p:pic>
         <p:nvPicPr>
-          <p:cNvPr id="17" name="내용 개체 틀 16">
-            <a:extLst>
-              <a:ext uri="{FF2B5EF4-FFF2-40B4-BE49-F238E27FC236}">
-                <a16:creationId xmlns:a16="http://schemas.microsoft.com/office/drawing/2014/main" id="{26EA06FC-4370-4109-8B37-4909F539B4FC}"/>
+          <p:cNvPr id="6" name="내용 개체 틀 5">
+            <a:extLst>
+              <a:ext uri="{FF2B5EF4-FFF2-40B4-BE49-F238E27FC236}">
+                <a16:creationId xmlns:a16="http://schemas.microsoft.com/office/drawing/2014/main" id="{8AD39CDD-C0BA-4E53-9BEB-2FDD53EC0693}"/>
               </a:ext>
             </a:extLst>
           </p:cNvPr>
@@ -5810,8 +6288,8 @@
         </p:blipFill>
         <p:spPr>
           <a:xfrm>
-            <a:off x="460933" y="1810045"/>
-            <a:ext cx="11270134" cy="4476455"/>
+            <a:off x="315684" y="1834538"/>
+            <a:ext cx="11453949" cy="4549466"/>
           </a:xfrm>
         </p:spPr>
       </p:pic>
@@ -5875,10 +6353,10 @@
       </p:sp>
       <p:pic>
         <p:nvPicPr>
-          <p:cNvPr id="5" name="내용 개체 틀 4" descr="텍스트, 지도, 영수증, 스크린샷이(가) 표시된 사진&#10;&#10;자동 생성된 설명">
-            <a:extLst>
-              <a:ext uri="{FF2B5EF4-FFF2-40B4-BE49-F238E27FC236}">
-                <a16:creationId xmlns:a16="http://schemas.microsoft.com/office/drawing/2014/main" id="{99D1BA62-5B9A-4061-9133-EB77DF9534F8}"/>
+          <p:cNvPr id="7" name="내용 개체 틀 6" descr="텍스트, 지도, 영수증, 스크린샷이(가) 표시된 사진&#10;&#10;자동 생성된 설명">
+            <a:extLst>
+              <a:ext uri="{FF2B5EF4-FFF2-40B4-BE49-F238E27FC236}">
+                <a16:creationId xmlns:a16="http://schemas.microsoft.com/office/drawing/2014/main" id="{DFC9FCC8-61E6-44E6-B3E6-2F6533686FEA}"/>
               </a:ext>
             </a:extLst>
           </p:cNvPr>
@@ -5943,7 +6421,7 @@
           <p:cNvPr id="2" name="제목 1">
             <a:extLst>
               <a:ext uri="{FF2B5EF4-FFF2-40B4-BE49-F238E27FC236}">
-                <a16:creationId xmlns:a16="http://schemas.microsoft.com/office/drawing/2014/main" id="{9B9F12D8-04A1-4BD4-92DC-518860D816D1}"/>
+                <a16:creationId xmlns:a16="http://schemas.microsoft.com/office/drawing/2014/main" id="{B2CBC20A-8870-4EC6-82E8-892BCDA9CAD6}"/>
               </a:ext>
             </a:extLst>
           </p:cNvPr>
@@ -5961,17 +6439,17 @@
           <a:p>
             <a:r>
               <a:rPr lang="ko-KR" altLang="en-US" dirty="0"/>
-              <a:t>기업 찾기 클래스 다이어그램</a:t>
+              <a:t>이메일 인증 코드</a:t>
             </a:r>
           </a:p>
         </p:txBody>
       </p:sp>
       <p:pic>
         <p:nvPicPr>
-          <p:cNvPr id="21" name="내용 개체 틀 20">
-            <a:extLst>
-              <a:ext uri="{FF2B5EF4-FFF2-40B4-BE49-F238E27FC236}">
-                <a16:creationId xmlns:a16="http://schemas.microsoft.com/office/drawing/2014/main" id="{C221814D-C31E-4870-A464-69140D83C8A5}"/>
+          <p:cNvPr id="23" name="내용 개체 틀 22" descr="텍스트이(가) 표시된 사진&#10;&#10;자동 생성된 설명">
+            <a:extLst>
+              <a:ext uri="{FF2B5EF4-FFF2-40B4-BE49-F238E27FC236}">
+                <a16:creationId xmlns:a16="http://schemas.microsoft.com/office/drawing/2014/main" id="{78273005-E700-45CD-A5D8-D56F4CA9A231}"/>
               </a:ext>
             </a:extLst>
           </p:cNvPr>
@@ -5983,7 +6461,7 @@
           </p:nvPr>
         </p:nvPicPr>
         <p:blipFill>
-          <a:blip r:embed="rId3">
+          <a:blip r:embed="rId2">
             <a:extLst>
               <a:ext uri="{28A0092B-C50C-407E-A947-70E740481C1C}">
                 <a14:useLocalDpi xmlns:a14="http://schemas.microsoft.com/office/drawing/2010/main" val="0"/>
@@ -5996,15 +6474,15 @@
         </p:blipFill>
         <p:spPr>
           <a:xfrm>
-            <a:off x="583500" y="1769427"/>
-            <a:ext cx="11025000" cy="4667250"/>
+            <a:off x="2865066" y="1825625"/>
+            <a:ext cx="6461867" cy="4351338"/>
           </a:xfrm>
         </p:spPr>
       </p:pic>
     </p:spTree>
     <p:extLst>
       <p:ext uri="{BB962C8B-B14F-4D97-AF65-F5344CB8AC3E}">
-        <p14:creationId xmlns:p14="http://schemas.microsoft.com/office/powerpoint/2010/main" val="985437520"/>
+        <p14:creationId xmlns:p14="http://schemas.microsoft.com/office/powerpoint/2010/main" val="1987056496"/>
       </p:ext>
     </p:extLst>
   </p:cSld>
@@ -6036,7 +6514,7 @@
           <p:cNvPr id="2" name="제목 1">
             <a:extLst>
               <a:ext uri="{FF2B5EF4-FFF2-40B4-BE49-F238E27FC236}">
-                <a16:creationId xmlns:a16="http://schemas.microsoft.com/office/drawing/2014/main" id="{3EB79133-5325-4E36-8C36-D9348A87F943}"/>
+                <a16:creationId xmlns:a16="http://schemas.microsoft.com/office/drawing/2014/main" id="{9F1208D3-EE2A-4C02-917D-819F2D8274CC}"/>
               </a:ext>
             </a:extLst>
           </p:cNvPr>
@@ -6054,17 +6532,17 @@
           <a:p>
             <a:r>
               <a:rPr lang="ko-KR" altLang="en-US" dirty="0"/>
-              <a:t>커뮤니티 클래스 다이어그램</a:t>
+              <a:t>이메일 인증 코드</a:t>
             </a:r>
           </a:p>
         </p:txBody>
       </p:sp>
       <p:pic>
         <p:nvPicPr>
-          <p:cNvPr id="13" name="내용 개체 틀 12">
-            <a:extLst>
-              <a:ext uri="{FF2B5EF4-FFF2-40B4-BE49-F238E27FC236}">
-                <a16:creationId xmlns:a16="http://schemas.microsoft.com/office/drawing/2014/main" id="{16D89801-CCEC-471B-85EE-08D597E93451}"/>
+          <p:cNvPr id="5" name="내용 개체 틀 4" descr="텍스트이(가) 표시된 사진&#10;&#10;자동 생성된 설명">
+            <a:extLst>
+              <a:ext uri="{FF2B5EF4-FFF2-40B4-BE49-F238E27FC236}">
+                <a16:creationId xmlns:a16="http://schemas.microsoft.com/office/drawing/2014/main" id="{A5B5C05D-68EE-436D-95CD-19BB4E1BBE60}"/>
               </a:ext>
             </a:extLst>
           </p:cNvPr>
@@ -6076,7 +6554,7 @@
           </p:nvPr>
         </p:nvPicPr>
         <p:blipFill>
-          <a:blip r:embed="rId3">
+          <a:blip r:embed="rId2">
             <a:extLst>
               <a:ext uri="{28A0092B-C50C-407E-A947-70E740481C1C}">
                 <a14:useLocalDpi xmlns:a14="http://schemas.microsoft.com/office/drawing/2010/main" val="0"/>
@@ -6089,15 +6567,15 @@
         </p:blipFill>
         <p:spPr>
           <a:xfrm>
-            <a:off x="261594" y="1690688"/>
-            <a:ext cx="11668811" cy="4391951"/>
+            <a:off x="2810085" y="1825625"/>
+            <a:ext cx="6571830" cy="4351338"/>
           </a:xfrm>
         </p:spPr>
       </p:pic>
     </p:spTree>
     <p:extLst>
       <p:ext uri="{BB962C8B-B14F-4D97-AF65-F5344CB8AC3E}">
-        <p14:creationId xmlns:p14="http://schemas.microsoft.com/office/powerpoint/2010/main" val="1488103386"/>
+        <p14:creationId xmlns:p14="http://schemas.microsoft.com/office/powerpoint/2010/main" val="4003364008"/>
       </p:ext>
     </p:extLst>
   </p:cSld>
@@ -6129,7 +6607,7 @@
           <p:cNvPr id="2" name="제목 1">
             <a:extLst>
               <a:ext uri="{FF2B5EF4-FFF2-40B4-BE49-F238E27FC236}">
-                <a16:creationId xmlns:a16="http://schemas.microsoft.com/office/drawing/2014/main" id="{51368DEB-6628-45DA-BB25-0C8402A7402D}"/>
+                <a16:creationId xmlns:a16="http://schemas.microsoft.com/office/drawing/2014/main" id="{9B9F12D8-04A1-4BD4-92DC-518860D816D1}"/>
               </a:ext>
             </a:extLst>
           </p:cNvPr>
@@ -6146,22 +6624,18 @@
           <a:lstStyle/>
           <a:p>
             <a:r>
-              <a:rPr lang="ko-KR" altLang="en-US" dirty="0" err="1"/>
-              <a:t>정보나눔</a:t>
-            </a:r>
-            <a:r>
-              <a:rPr lang="ko-KR" altLang="en-US" dirty="0"/>
-              <a:t> 클래스 다이어그램</a:t>
+              <a:rPr lang="ko-KR" altLang="en-US" dirty="0"/>
+              <a:t>기업 찾기 클래스 다이어그램</a:t>
             </a:r>
           </a:p>
         </p:txBody>
       </p:sp>
       <p:pic>
         <p:nvPicPr>
-          <p:cNvPr id="5" name="내용 개체 틀 4" descr="텍스트이(가) 표시된 사진&#10;&#10;자동 생성된 설명">
-            <a:extLst>
-              <a:ext uri="{FF2B5EF4-FFF2-40B4-BE49-F238E27FC236}">
-                <a16:creationId xmlns:a16="http://schemas.microsoft.com/office/drawing/2014/main" id="{62742561-9AFF-4A4A-B9FD-01186A59CF5C}"/>
+          <p:cNvPr id="6" name="내용 개체 틀 5">
+            <a:extLst>
+              <a:ext uri="{FF2B5EF4-FFF2-40B4-BE49-F238E27FC236}">
+                <a16:creationId xmlns:a16="http://schemas.microsoft.com/office/drawing/2014/main" id="{5E6F0C5C-9E89-4266-B6D0-727402A4497C}"/>
               </a:ext>
             </a:extLst>
           </p:cNvPr>
@@ -6186,15 +6660,15 @@
         </p:blipFill>
         <p:spPr>
           <a:xfrm>
-            <a:off x="759771" y="2423160"/>
-            <a:ext cx="10672458" cy="3065493"/>
+            <a:off x="456127" y="1762057"/>
+            <a:ext cx="11279746" cy="4887890"/>
           </a:xfrm>
         </p:spPr>
       </p:pic>
     </p:spTree>
     <p:extLst>
       <p:ext uri="{BB962C8B-B14F-4D97-AF65-F5344CB8AC3E}">
-        <p14:creationId xmlns:p14="http://schemas.microsoft.com/office/powerpoint/2010/main" val="1414651153"/>
+        <p14:creationId xmlns:p14="http://schemas.microsoft.com/office/powerpoint/2010/main" val="985437520"/>
       </p:ext>
     </p:extLst>
   </p:cSld>
@@ -6226,7 +6700,7 @@
           <p:cNvPr id="2" name="제목 1">
             <a:extLst>
               <a:ext uri="{FF2B5EF4-FFF2-40B4-BE49-F238E27FC236}">
-                <a16:creationId xmlns:a16="http://schemas.microsoft.com/office/drawing/2014/main" id="{419DA412-2D28-4387-9D1F-DCB089124147}"/>
+                <a16:creationId xmlns:a16="http://schemas.microsoft.com/office/drawing/2014/main" id="{3EB79133-5325-4E36-8C36-D9348A87F943}"/>
               </a:ext>
             </a:extLst>
           </p:cNvPr>
@@ -6244,17 +6718,17 @@
           <a:p>
             <a:r>
               <a:rPr lang="ko-KR" altLang="en-US" dirty="0"/>
-              <a:t>마이페이지 클래스 다이어그램</a:t>
+              <a:t>커뮤니티 클래스 다이어그램</a:t>
             </a:r>
           </a:p>
         </p:txBody>
       </p:sp>
       <p:pic>
         <p:nvPicPr>
-          <p:cNvPr id="13" name="내용 개체 틀 12">
-            <a:extLst>
-              <a:ext uri="{FF2B5EF4-FFF2-40B4-BE49-F238E27FC236}">
-                <a16:creationId xmlns:a16="http://schemas.microsoft.com/office/drawing/2014/main" id="{73A3A9D9-B08A-41EF-8874-A146B51E2E92}"/>
+          <p:cNvPr id="6" name="내용 개체 틀 5">
+            <a:extLst>
+              <a:ext uri="{FF2B5EF4-FFF2-40B4-BE49-F238E27FC236}">
+                <a16:creationId xmlns:a16="http://schemas.microsoft.com/office/drawing/2014/main" id="{14FC8642-6752-41C6-8118-606DD78178FD}"/>
               </a:ext>
             </a:extLst>
           </p:cNvPr>
@@ -6279,15 +6753,15 @@
         </p:blipFill>
         <p:spPr>
           <a:xfrm>
-            <a:off x="2315674" y="1414144"/>
-            <a:ext cx="7371182" cy="5443856"/>
+            <a:off x="341298" y="1690688"/>
+            <a:ext cx="11509403" cy="4587081"/>
           </a:xfrm>
         </p:spPr>
       </p:pic>
     </p:spTree>
     <p:extLst>
       <p:ext uri="{BB962C8B-B14F-4D97-AF65-F5344CB8AC3E}">
-        <p14:creationId xmlns:p14="http://schemas.microsoft.com/office/powerpoint/2010/main" val="684300482"/>
+        <p14:creationId xmlns:p14="http://schemas.microsoft.com/office/powerpoint/2010/main" val="1488103386"/>
       </p:ext>
     </p:extLst>
   </p:cSld>
@@ -6319,7 +6793,7 @@
           <p:cNvPr id="2" name="제목 1">
             <a:extLst>
               <a:ext uri="{FF2B5EF4-FFF2-40B4-BE49-F238E27FC236}">
-                <a16:creationId xmlns:a16="http://schemas.microsoft.com/office/drawing/2014/main" id="{AC558561-31B1-4C82-9777-E0BB4F4C2DA4}"/>
+                <a16:creationId xmlns:a16="http://schemas.microsoft.com/office/drawing/2014/main" id="{51368DEB-6628-45DA-BB25-0C8402A7402D}"/>
               </a:ext>
             </a:extLst>
           </p:cNvPr>
@@ -6336,101 +6810,22 @@
           <a:lstStyle/>
           <a:p>
             <a:r>
-              <a:rPr lang="ko-KR" altLang="en-US" dirty="0"/>
-              <a:t>웹 시연</a:t>
-            </a:r>
-          </a:p>
-        </p:txBody>
-      </p:sp>
-      <p:cxnSp>
-        <p:nvCxnSpPr>
-          <p:cNvPr id="9" name="연결선: 꺾임 8">
-            <a:extLst>
-              <a:ext uri="{FF2B5EF4-FFF2-40B4-BE49-F238E27FC236}">
-                <a16:creationId xmlns:a16="http://schemas.microsoft.com/office/drawing/2014/main" id="{20EEE6DE-C8B1-43DB-A9B0-26F8AF3114F0}"/>
-              </a:ext>
-            </a:extLst>
-          </p:cNvPr>
-          <p:cNvCxnSpPr>
-            <a:cxnSpLocks/>
-          </p:cNvCxnSpPr>
-          <p:nvPr/>
-        </p:nvCxnSpPr>
-        <p:spPr>
-          <a:xfrm>
-            <a:off x="7880155" y="2248746"/>
-            <a:ext cx="290067" cy="650908"/>
-          </a:xfrm>
-          <a:prstGeom prst="bentConnector2">
-            <a:avLst/>
-          </a:prstGeom>
-          <a:ln w="76200">
-            <a:tailEnd type="triangle"/>
-          </a:ln>
-        </p:spPr>
-        <p:style>
-          <a:lnRef idx="1">
-            <a:schemeClr val="accent1"/>
-          </a:lnRef>
-          <a:fillRef idx="0">
-            <a:schemeClr val="accent1"/>
-          </a:fillRef>
-          <a:effectRef idx="0">
-            <a:schemeClr val="accent1"/>
-          </a:effectRef>
-          <a:fontRef idx="minor">
-            <a:schemeClr val="tx1"/>
-          </a:fontRef>
-        </p:style>
-      </p:cxnSp>
-      <p:sp>
-        <p:nvSpPr>
-          <p:cNvPr id="10" name="TextBox 9">
-            <a:extLst>
-              <a:ext uri="{FF2B5EF4-FFF2-40B4-BE49-F238E27FC236}">
-                <a16:creationId xmlns:a16="http://schemas.microsoft.com/office/drawing/2014/main" id="{6F14A23F-A84C-49D5-9A13-578DFC9CB416}"/>
-              </a:ext>
-            </a:extLst>
-          </p:cNvPr>
-          <p:cNvSpPr txBox="1"/>
-          <p:nvPr/>
-        </p:nvSpPr>
-        <p:spPr>
-          <a:xfrm>
-            <a:off x="8417772" y="2101932"/>
-            <a:ext cx="2656496" cy="646331"/>
-          </a:xfrm>
-          <a:prstGeom prst="rect">
-            <a:avLst/>
-          </a:prstGeom>
-          <a:noFill/>
-        </p:spPr>
-        <p:txBody>
-          <a:bodyPr wrap="none" rtlCol="0">
-            <a:spAutoFit/>
-          </a:bodyPr>
-          <a:lstStyle/>
-          <a:p>
-            <a:r>
-              <a:rPr lang="ko-KR" altLang="en-US" dirty="0"/>
-              <a:t>인덱스 페이지 검색바에</a:t>
-            </a:r>
-            <a:endParaRPr lang="en-US" altLang="ko-KR" dirty="0"/>
-          </a:p>
-          <a:p>
-            <a:r>
-              <a:rPr lang="ko-KR" altLang="en-US" dirty="0"/>
-              <a:t>검색어 입력 후 </a:t>
+              <a:rPr lang="ko-KR" altLang="en-US" dirty="0" err="1"/>
+              <a:t>정보나눔</a:t>
+            </a:r>
+            <a:r>
+              <a:rPr lang="ko-KR" altLang="en-US" dirty="0"/>
+              <a:t> 클래스 다이어그램</a:t>
             </a:r>
           </a:p>
         </p:txBody>
       </p:sp>
       <p:pic>
         <p:nvPicPr>
-          <p:cNvPr id="14" name="내용 개체 틀 13">
-            <a:extLst>
-              <a:ext uri="{FF2B5EF4-FFF2-40B4-BE49-F238E27FC236}">
-                <a16:creationId xmlns:a16="http://schemas.microsoft.com/office/drawing/2014/main" id="{A4008F88-E05E-4004-A921-B389CC1BB4BC}"/>
+          <p:cNvPr id="5" name="내용 개체 틀 4" descr="텍스트이(가) 표시된 사진&#10;&#10;자동 생성된 설명">
+            <a:extLst>
+              <a:ext uri="{FF2B5EF4-FFF2-40B4-BE49-F238E27FC236}">
+                <a16:creationId xmlns:a16="http://schemas.microsoft.com/office/drawing/2014/main" id="{62742561-9AFF-4A4A-B9FD-01186A59CF5C}"/>
               </a:ext>
             </a:extLst>
           </p:cNvPr>
@@ -6455,51 +6850,15 @@
         </p:blipFill>
         <p:spPr>
           <a:xfrm>
-            <a:off x="1446251" y="1760542"/>
-            <a:ext cx="6578938" cy="1162110"/>
+            <a:off x="759771" y="2423160"/>
+            <a:ext cx="10672458" cy="3065493"/>
           </a:xfrm>
-        </p:spPr>
-      </p:pic>
-      <p:pic>
-        <p:nvPicPr>
-          <p:cNvPr id="16" name="그림 15" descr="텍스트이(가) 표시된 사진&#10;&#10;자동 생성된 설명">
-            <a:extLst>
-              <a:ext uri="{FF2B5EF4-FFF2-40B4-BE49-F238E27FC236}">
-                <a16:creationId xmlns:a16="http://schemas.microsoft.com/office/drawing/2014/main" id="{2960C0DC-E1CB-43E2-984D-3DA410EA5BD1}"/>
-              </a:ext>
-            </a:extLst>
-          </p:cNvPr>
-          <p:cNvPicPr>
-            <a:picLocks noChangeAspect="1"/>
-          </p:cNvPicPr>
-          <p:nvPr/>
-        </p:nvPicPr>
-        <p:blipFill>
-          <a:blip r:embed="rId4">
-            <a:extLst>
-              <a:ext uri="{28A0092B-C50C-407E-A947-70E740481C1C}">
-                <a14:useLocalDpi xmlns:a14="http://schemas.microsoft.com/office/drawing/2010/main" val="0"/>
-              </a:ext>
-            </a:extLst>
-          </a:blip>
-          <a:stretch>
-            <a:fillRect/>
-          </a:stretch>
-        </p:blipFill>
-        <p:spPr>
-          <a:xfrm>
-            <a:off x="3563676" y="2922652"/>
-            <a:ext cx="7903176" cy="3488748"/>
-          </a:xfrm>
-          <a:prstGeom prst="rect">
-            <a:avLst/>
-          </a:prstGeom>
         </p:spPr>
       </p:pic>
     </p:spTree>
     <p:extLst>
       <p:ext uri="{BB962C8B-B14F-4D97-AF65-F5344CB8AC3E}">
-        <p14:creationId xmlns:p14="http://schemas.microsoft.com/office/powerpoint/2010/main" val="1955064409"/>
+        <p14:creationId xmlns:p14="http://schemas.microsoft.com/office/powerpoint/2010/main" val="1414651153"/>
       </p:ext>
     </p:extLst>
   </p:cSld>

--- a/최종발표/최종발표 PPT_백엔드.pptx
+++ b/최종발표/최종발표 PPT_백엔드.pptx
@@ -210,7 +210,7 @@
           <a:p>
             <a:fld id="{D8C6FF69-C464-4C4B-86B4-13E8416C2B2A}" type="datetimeFigureOut">
               <a:rPr lang="ko-KR" altLang="en-US" smtClean="0"/>
-              <a:t>2021-11-28</a:t>
+              <a:t>2021-11-29</a:t>
             </a:fld>
             <a:endParaRPr lang="ko-KR" altLang="en-US"/>
           </a:p>
@@ -2213,7 +2213,7 @@
           <a:p>
             <a:fld id="{6FFC9F1F-6A18-48E1-AB20-87F6721E4D74}" type="datetimeFigureOut">
               <a:rPr lang="ko-KR" altLang="en-US" smtClean="0"/>
-              <a:t>2021-11-28</a:t>
+              <a:t>2021-11-29</a:t>
             </a:fld>
             <a:endParaRPr lang="ko-KR" altLang="en-US"/>
           </a:p>
@@ -2411,7 +2411,7 @@
           <a:p>
             <a:fld id="{6FFC9F1F-6A18-48E1-AB20-87F6721E4D74}" type="datetimeFigureOut">
               <a:rPr lang="ko-KR" altLang="en-US" smtClean="0"/>
-              <a:t>2021-11-28</a:t>
+              <a:t>2021-11-29</a:t>
             </a:fld>
             <a:endParaRPr lang="ko-KR" altLang="en-US"/>
           </a:p>
@@ -2619,7 +2619,7 @@
           <a:p>
             <a:fld id="{6FFC9F1F-6A18-48E1-AB20-87F6721E4D74}" type="datetimeFigureOut">
               <a:rPr lang="ko-KR" altLang="en-US" smtClean="0"/>
-              <a:t>2021-11-28</a:t>
+              <a:t>2021-11-29</a:t>
             </a:fld>
             <a:endParaRPr lang="ko-KR" altLang="en-US"/>
           </a:p>
@@ -2817,7 +2817,7 @@
           <a:p>
             <a:fld id="{6FFC9F1F-6A18-48E1-AB20-87F6721E4D74}" type="datetimeFigureOut">
               <a:rPr lang="ko-KR" altLang="en-US" smtClean="0"/>
-              <a:t>2021-11-28</a:t>
+              <a:t>2021-11-29</a:t>
             </a:fld>
             <a:endParaRPr lang="ko-KR" altLang="en-US"/>
           </a:p>
@@ -3092,7 +3092,7 @@
           <a:p>
             <a:fld id="{6FFC9F1F-6A18-48E1-AB20-87F6721E4D74}" type="datetimeFigureOut">
               <a:rPr lang="ko-KR" altLang="en-US" smtClean="0"/>
-              <a:t>2021-11-28</a:t>
+              <a:t>2021-11-29</a:t>
             </a:fld>
             <a:endParaRPr lang="ko-KR" altLang="en-US"/>
           </a:p>
@@ -3357,7 +3357,7 @@
           <a:p>
             <a:fld id="{6FFC9F1F-6A18-48E1-AB20-87F6721E4D74}" type="datetimeFigureOut">
               <a:rPr lang="ko-KR" altLang="en-US" smtClean="0"/>
-              <a:t>2021-11-28</a:t>
+              <a:t>2021-11-29</a:t>
             </a:fld>
             <a:endParaRPr lang="ko-KR" altLang="en-US"/>
           </a:p>
@@ -3769,7 +3769,7 @@
           <a:p>
             <a:fld id="{6FFC9F1F-6A18-48E1-AB20-87F6721E4D74}" type="datetimeFigureOut">
               <a:rPr lang="ko-KR" altLang="en-US" smtClean="0"/>
-              <a:t>2021-11-28</a:t>
+              <a:t>2021-11-29</a:t>
             </a:fld>
             <a:endParaRPr lang="ko-KR" altLang="en-US"/>
           </a:p>
@@ -3910,7 +3910,7 @@
           <a:p>
             <a:fld id="{6FFC9F1F-6A18-48E1-AB20-87F6721E4D74}" type="datetimeFigureOut">
               <a:rPr lang="ko-KR" altLang="en-US" smtClean="0"/>
-              <a:t>2021-11-28</a:t>
+              <a:t>2021-11-29</a:t>
             </a:fld>
             <a:endParaRPr lang="ko-KR" altLang="en-US"/>
           </a:p>
@@ -4023,7 +4023,7 @@
           <a:p>
             <a:fld id="{6FFC9F1F-6A18-48E1-AB20-87F6721E4D74}" type="datetimeFigureOut">
               <a:rPr lang="ko-KR" altLang="en-US" smtClean="0"/>
-              <a:t>2021-11-28</a:t>
+              <a:t>2021-11-29</a:t>
             </a:fld>
             <a:endParaRPr lang="ko-KR" altLang="en-US"/>
           </a:p>
@@ -4334,7 +4334,7 @@
           <a:p>
             <a:fld id="{6FFC9F1F-6A18-48E1-AB20-87F6721E4D74}" type="datetimeFigureOut">
               <a:rPr lang="ko-KR" altLang="en-US" smtClean="0"/>
-              <a:t>2021-11-28</a:t>
+              <a:t>2021-11-29</a:t>
             </a:fld>
             <a:endParaRPr lang="ko-KR" altLang="en-US"/>
           </a:p>
@@ -4622,7 +4622,7 @@
           <a:p>
             <a:fld id="{6FFC9F1F-6A18-48E1-AB20-87F6721E4D74}" type="datetimeFigureOut">
               <a:rPr lang="ko-KR" altLang="en-US" smtClean="0"/>
-              <a:t>2021-11-28</a:t>
+              <a:t>2021-11-29</a:t>
             </a:fld>
             <a:endParaRPr lang="ko-KR" altLang="en-US"/>
           </a:p>
@@ -4863,7 +4863,7 @@
           <a:p>
             <a:fld id="{6FFC9F1F-6A18-48E1-AB20-87F6721E4D74}" type="datetimeFigureOut">
               <a:rPr lang="ko-KR" altLang="en-US" smtClean="0"/>
-              <a:t>2021-11-28</a:t>
+              <a:t>2021-11-29</a:t>
             </a:fld>
             <a:endParaRPr lang="ko-KR" altLang="en-US"/>
           </a:p>
